--- a/Learning Perl.pptx
+++ b/Learning Perl.pptx
@@ -352,7 +352,7 @@
             <a:fld id="{1D8BD707-D9CF-40AE-B4C6-C98DA3205C09}" type="datetimeFigureOut">
               <a:rPr lang="en-US" smtClean="0"/>
               <a:pPr/>
-              <a:t>7/28/2012</a:t>
+              <a:t>4/9/14</a:t>
             </a:fld>
             <a:endParaRPr lang="en-US"/>
           </a:p>
@@ -519,7 +519,7 @@
             <a:fld id="{1D8BD707-D9CF-40AE-B4C6-C98DA3205C09}" type="datetimeFigureOut">
               <a:rPr lang="en-US" smtClean="0"/>
               <a:pPr/>
-              <a:t>7/28/2012</a:t>
+              <a:t>4/9/14</a:t>
             </a:fld>
             <a:endParaRPr lang="en-US"/>
           </a:p>
@@ -696,7 +696,7 @@
             <a:fld id="{1D8BD707-D9CF-40AE-B4C6-C98DA3205C09}" type="datetimeFigureOut">
               <a:rPr lang="en-US" smtClean="0"/>
               <a:pPr/>
-              <a:t>7/28/2012</a:t>
+              <a:t>4/9/14</a:t>
             </a:fld>
             <a:endParaRPr lang="en-US"/>
           </a:p>
@@ -863,7 +863,7 @@
             <a:fld id="{1D8BD707-D9CF-40AE-B4C6-C98DA3205C09}" type="datetimeFigureOut">
               <a:rPr lang="en-US" smtClean="0"/>
               <a:pPr/>
-              <a:t>7/28/2012</a:t>
+              <a:t>4/9/14</a:t>
             </a:fld>
             <a:endParaRPr lang="en-US"/>
           </a:p>
@@ -1106,7 +1106,7 @@
             <a:fld id="{1D8BD707-D9CF-40AE-B4C6-C98DA3205C09}" type="datetimeFigureOut">
               <a:rPr lang="en-US" smtClean="0"/>
               <a:pPr/>
-              <a:t>7/28/2012</a:t>
+              <a:t>4/9/14</a:t>
             </a:fld>
             <a:endParaRPr lang="en-US"/>
           </a:p>
@@ -1391,7 +1391,7 @@
             <a:fld id="{1D8BD707-D9CF-40AE-B4C6-C98DA3205C09}" type="datetimeFigureOut">
               <a:rPr lang="en-US" smtClean="0"/>
               <a:pPr/>
-              <a:t>7/28/2012</a:t>
+              <a:t>4/9/14</a:t>
             </a:fld>
             <a:endParaRPr lang="en-US"/>
           </a:p>
@@ -1810,7 +1810,7 @@
             <a:fld id="{1D8BD707-D9CF-40AE-B4C6-C98DA3205C09}" type="datetimeFigureOut">
               <a:rPr lang="en-US" smtClean="0"/>
               <a:pPr/>
-              <a:t>7/28/2012</a:t>
+              <a:t>4/9/14</a:t>
             </a:fld>
             <a:endParaRPr lang="en-US"/>
           </a:p>
@@ -1925,7 +1925,7 @@
             <a:fld id="{1D8BD707-D9CF-40AE-B4C6-C98DA3205C09}" type="datetimeFigureOut">
               <a:rPr lang="en-US" smtClean="0"/>
               <a:pPr/>
-              <a:t>7/28/2012</a:t>
+              <a:t>4/9/14</a:t>
             </a:fld>
             <a:endParaRPr lang="en-US"/>
           </a:p>
@@ -2017,7 +2017,7 @@
             <a:fld id="{1D8BD707-D9CF-40AE-B4C6-C98DA3205C09}" type="datetimeFigureOut">
               <a:rPr lang="en-US" smtClean="0"/>
               <a:pPr/>
-              <a:t>7/28/2012</a:t>
+              <a:t>4/9/14</a:t>
             </a:fld>
             <a:endParaRPr lang="en-US"/>
           </a:p>
@@ -2291,7 +2291,7 @@
             <a:fld id="{1D8BD707-D9CF-40AE-B4C6-C98DA3205C09}" type="datetimeFigureOut">
               <a:rPr lang="en-US" smtClean="0"/>
               <a:pPr/>
-              <a:t>7/28/2012</a:t>
+              <a:t>4/9/14</a:t>
             </a:fld>
             <a:endParaRPr lang="en-US"/>
           </a:p>
@@ -2541,7 +2541,7 @@
             <a:fld id="{1D8BD707-D9CF-40AE-B4C6-C98DA3205C09}" type="datetimeFigureOut">
               <a:rPr lang="en-US" smtClean="0"/>
               <a:pPr/>
-              <a:t>7/28/2012</a:t>
+              <a:t>4/9/14</a:t>
             </a:fld>
             <a:endParaRPr lang="en-US"/>
           </a:p>
@@ -2751,7 +2751,7 @@
             <a:fld id="{1D8BD707-D9CF-40AE-B4C6-C98DA3205C09}" type="datetimeFigureOut">
               <a:rPr lang="en-US" smtClean="0"/>
               <a:pPr/>
-              <a:t>7/28/2012</a:t>
+              <a:t>4/9/14</a:t>
             </a:fld>
             <a:endParaRPr lang="en-US"/>
           </a:p>
@@ -3264,12 +3264,12 @@
               <a:t>“$/” is the input </a:t>
             </a:r>
             <a:r>
-              <a:rPr lang="en-US" sz="2000" dirty="0" err="1" smtClean="0"/>
-              <a:t>seperator</a:t>
-            </a:r>
-            <a:r>
-              <a:rPr lang="en-US" sz="2000" dirty="0" smtClean="0"/>
-              <a:t> which controls when &lt;STDIN&gt; returns</a:t>
+              <a:rPr lang="en-US" sz="2000" dirty="0" smtClean="0"/>
+              <a:t>separator </a:t>
+            </a:r>
+            <a:r>
+              <a:rPr lang="en-US" sz="2000" dirty="0" smtClean="0"/>
+              <a:t>which controls when &lt;STDIN&gt; returns</a:t>
             </a:r>
           </a:p>
           <a:p>
@@ -3341,7 +3341,7 @@
   <p:timing>
     <p:tnLst>
       <p:par>
-        <p:cTn id="1" dur="indefinite" restart="never" nodeType="tmRoot"/>
+        <p:cTn xmlns:p14="http://schemas.microsoft.com/office/powerpoint/2010/main" id="1" dur="indefinite" restart="never" nodeType="tmRoot"/>
       </p:par>
     </p:tnLst>
   </p:timing>
@@ -3583,7 +3583,7 @@
   <p:timing>
     <p:tnLst>
       <p:par>
-        <p:cTn id="1" dur="indefinite" restart="never" nodeType="tmRoot"/>
+        <p:cTn xmlns:p14="http://schemas.microsoft.com/office/powerpoint/2010/main" id="1" dur="indefinite" restart="never" nodeType="tmRoot"/>
       </p:par>
     </p:tnLst>
   </p:timing>
@@ -3800,7 +3800,7 @@
   <p:timing>
     <p:tnLst>
       <p:par>
-        <p:cTn id="1" dur="indefinite" restart="never" nodeType="tmRoot"/>
+        <p:cTn xmlns:p14="http://schemas.microsoft.com/office/powerpoint/2010/main" id="1" dur="indefinite" restart="never" nodeType="tmRoot"/>
       </p:par>
     </p:tnLst>
   </p:timing>
@@ -4040,7 +4040,7 @@
   <p:timing>
     <p:tnLst>
       <p:par>
-        <p:cTn id="1" dur="indefinite" restart="never" nodeType="tmRoot"/>
+        <p:cTn xmlns:p14="http://schemas.microsoft.com/office/powerpoint/2010/main" id="1" dur="indefinite" restart="never" nodeType="tmRoot"/>
       </p:par>
     </p:tnLst>
   </p:timing>
@@ -4298,7 +4298,7 @@
   <p:timing>
     <p:tnLst>
       <p:par>
-        <p:cTn id="1" dur="indefinite" restart="never" nodeType="tmRoot"/>
+        <p:cTn xmlns:p14="http://schemas.microsoft.com/office/powerpoint/2010/main" id="1" dur="indefinite" restart="never" nodeType="tmRoot"/>
       </p:par>
     </p:tnLst>
   </p:timing>
@@ -4460,7 +4460,7 @@
   <p:timing>
     <p:tnLst>
       <p:par>
-        <p:cTn id="1" dur="indefinite" restart="never" nodeType="tmRoot"/>
+        <p:cTn xmlns:p14="http://schemas.microsoft.com/office/powerpoint/2010/main" id="1" dur="indefinite" restart="never" nodeType="tmRoot"/>
       </p:par>
     </p:tnLst>
   </p:timing>
@@ -4696,7 +4696,7 @@
   <p:timing>
     <p:tnLst>
       <p:par>
-        <p:cTn id="1" dur="indefinite" restart="never" nodeType="tmRoot"/>
+        <p:cTn xmlns:p14="http://schemas.microsoft.com/office/powerpoint/2010/main" id="1" dur="indefinite" restart="never" nodeType="tmRoot"/>
       </p:par>
     </p:tnLst>
   </p:timing>
@@ -4835,7 +4835,7 @@
   <p:timing>
     <p:tnLst>
       <p:par>
-        <p:cTn id="1" dur="indefinite" restart="never" nodeType="tmRoot"/>
+        <p:cTn xmlns:p14="http://schemas.microsoft.com/office/powerpoint/2010/main" id="1" dur="indefinite" restart="never" nodeType="tmRoot"/>
       </p:par>
     </p:tnLst>
   </p:timing>
@@ -5033,7 +5033,7 @@
   <p:timing>
     <p:tnLst>
       <p:par>
-        <p:cTn id="1" dur="indefinite" restart="never" nodeType="tmRoot"/>
+        <p:cTn xmlns:p14="http://schemas.microsoft.com/office/powerpoint/2010/main" id="1" dur="indefinite" restart="never" nodeType="tmRoot"/>
       </p:par>
     </p:tnLst>
   </p:timing>
@@ -5309,7 +5309,7 @@
   <p:timing>
     <p:tnLst>
       <p:par>
-        <p:cTn id="1" dur="indefinite" restart="never" nodeType="tmRoot"/>
+        <p:cTn xmlns:p14="http://schemas.microsoft.com/office/powerpoint/2010/main" id="1" dur="indefinite" restart="never" nodeType="tmRoot"/>
       </p:par>
     </p:tnLst>
   </p:timing>
@@ -5519,7 +5519,7 @@
   <p:timing>
     <p:tnLst>
       <p:par>
-        <p:cTn id="1" dur="indefinite" restart="never" nodeType="tmRoot"/>
+        <p:cTn xmlns:p14="http://schemas.microsoft.com/office/powerpoint/2010/main" id="1" dur="indefinite" restart="never" nodeType="tmRoot"/>
       </p:par>
     </p:tnLst>
   </p:timing>
@@ -5649,7 +5649,7 @@
   <p:timing>
     <p:tnLst>
       <p:par>
-        <p:cTn id="1" dur="indefinite" restart="never" nodeType="tmRoot"/>
+        <p:cTn xmlns:p14="http://schemas.microsoft.com/office/powerpoint/2010/main" id="1" dur="indefinite" restart="never" nodeType="tmRoot"/>
       </p:par>
     </p:tnLst>
   </p:timing>
@@ -5938,7 +5938,7 @@
   <p:timing>
     <p:tnLst>
       <p:par>
-        <p:cTn id="1" dur="indefinite" restart="never" nodeType="tmRoot"/>
+        <p:cTn xmlns:p14="http://schemas.microsoft.com/office/powerpoint/2010/main" id="1" dur="indefinite" restart="never" nodeType="tmRoot"/>
       </p:par>
     </p:tnLst>
   </p:timing>
@@ -6134,7 +6134,7 @@
   <p:timing>
     <p:tnLst>
       <p:par>
-        <p:cTn id="1" dur="indefinite" restart="never" nodeType="tmRoot"/>
+        <p:cTn xmlns:p14="http://schemas.microsoft.com/office/powerpoint/2010/main" id="1" dur="indefinite" restart="never" nodeType="tmRoot"/>
       </p:par>
     </p:tnLst>
   </p:timing>
@@ -6384,7 +6384,7 @@
   <p:timing>
     <p:tnLst>
       <p:par>
-        <p:cTn id="1" dur="indefinite" restart="never" nodeType="tmRoot"/>
+        <p:cTn xmlns:p14="http://schemas.microsoft.com/office/powerpoint/2010/main" id="1" dur="indefinite" restart="never" nodeType="tmRoot"/>
       </p:par>
     </p:tnLst>
   </p:timing>
@@ -6638,7 +6638,7 @@
   <p:timing>
     <p:tnLst>
       <p:par>
-        <p:cTn id="1" dur="indefinite" restart="never" nodeType="tmRoot"/>
+        <p:cTn xmlns:p14="http://schemas.microsoft.com/office/powerpoint/2010/main" id="1" dur="indefinite" restart="never" nodeType="tmRoot"/>
       </p:par>
     </p:tnLst>
   </p:timing>
@@ -6846,7 +6846,7 @@
   <p:timing>
     <p:tnLst>
       <p:par>
-        <p:cTn id="1" dur="indefinite" restart="never" nodeType="tmRoot"/>
+        <p:cTn xmlns:p14="http://schemas.microsoft.com/office/powerpoint/2010/main" id="1" dur="indefinite" restart="never" nodeType="tmRoot"/>
       </p:par>
     </p:tnLst>
   </p:timing>
@@ -6973,7 +6973,7 @@
   <p:timing>
     <p:tnLst>
       <p:par>
-        <p:cTn id="1" dur="indefinite" restart="never" nodeType="tmRoot"/>
+        <p:cTn xmlns:p14="http://schemas.microsoft.com/office/powerpoint/2010/main" id="1" dur="indefinite" restart="never" nodeType="tmRoot"/>
       </p:par>
     </p:tnLst>
   </p:timing>
@@ -7171,7 +7171,7 @@
   <p:timing>
     <p:tnLst>
       <p:par>
-        <p:cTn id="1" dur="indefinite" restart="never" nodeType="tmRoot"/>
+        <p:cTn xmlns:p14="http://schemas.microsoft.com/office/powerpoint/2010/main" id="1" dur="indefinite" restart="never" nodeType="tmRoot"/>
       </p:par>
     </p:tnLst>
   </p:timing>
@@ -7393,7 +7393,7 @@
   <p:timing>
     <p:tnLst>
       <p:par>
-        <p:cTn id="1" dur="indefinite" restart="never" nodeType="tmRoot"/>
+        <p:cTn xmlns:p14="http://schemas.microsoft.com/office/powerpoint/2010/main" id="1" dur="indefinite" restart="never" nodeType="tmRoot"/>
       </p:par>
     </p:tnLst>
   </p:timing>
@@ -7606,7 +7606,7 @@
   <p:timing>
     <p:tnLst>
       <p:par>
-        <p:cTn id="1" dur="indefinite" restart="never" nodeType="tmRoot"/>
+        <p:cTn xmlns:p14="http://schemas.microsoft.com/office/powerpoint/2010/main" id="1" dur="indefinite" restart="never" nodeType="tmRoot"/>
       </p:par>
     </p:tnLst>
   </p:timing>
@@ -7719,7 +7719,7 @@
   <p:timing>
     <p:tnLst>
       <p:par>
-        <p:cTn id="1" dur="indefinite" restart="never" nodeType="tmRoot"/>
+        <p:cTn xmlns:p14="http://schemas.microsoft.com/office/powerpoint/2010/main" id="1" dur="indefinite" restart="never" nodeType="tmRoot"/>
       </p:par>
     </p:tnLst>
   </p:timing>
@@ -8058,7 +8058,7 @@
   <p:timing>
     <p:tnLst>
       <p:par>
-        <p:cTn id="1" dur="indefinite" restart="never" nodeType="tmRoot"/>
+        <p:cTn xmlns:p14="http://schemas.microsoft.com/office/powerpoint/2010/main" id="1" dur="indefinite" restart="never" nodeType="tmRoot"/>
       </p:par>
     </p:tnLst>
   </p:timing>
@@ -8343,7 +8343,7 @@
   <p:timing>
     <p:tnLst>
       <p:par>
-        <p:cTn id="1" dur="indefinite" restart="never" nodeType="tmRoot"/>
+        <p:cTn xmlns:p14="http://schemas.microsoft.com/office/powerpoint/2010/main" id="1" dur="indefinite" restart="never" nodeType="tmRoot"/>
       </p:par>
     </p:tnLst>
   </p:timing>
@@ -8723,7 +8723,7 @@
   <p:timing>
     <p:tnLst>
       <p:par>
-        <p:cTn id="1" dur="indefinite" restart="never" nodeType="tmRoot"/>
+        <p:cTn xmlns:p14="http://schemas.microsoft.com/office/powerpoint/2010/main" id="1" dur="indefinite" restart="never" nodeType="tmRoot"/>
       </p:par>
     </p:tnLst>
   </p:timing>
@@ -9033,7 +9033,7 @@
   <p:timing>
     <p:tnLst>
       <p:par>
-        <p:cTn id="1" dur="indefinite" restart="never" nodeType="tmRoot"/>
+        <p:cTn xmlns:p14="http://schemas.microsoft.com/office/powerpoint/2010/main" id="1" dur="indefinite" restart="never" nodeType="tmRoot"/>
       </p:par>
     </p:tnLst>
   </p:timing>
@@ -9413,7 +9413,7 @@
   <p:timing>
     <p:tnLst>
       <p:par>
-        <p:cTn id="1" dur="indefinite" restart="never" nodeType="tmRoot"/>
+        <p:cTn xmlns:p14="http://schemas.microsoft.com/office/powerpoint/2010/main" id="1" dur="indefinite" restart="never" nodeType="tmRoot"/>
       </p:par>
     </p:tnLst>
   </p:timing>
@@ -9720,7 +9720,7 @@
   <p:timing>
     <p:tnLst>
       <p:par>
-        <p:cTn id="1" dur="indefinite" restart="never" nodeType="tmRoot"/>
+        <p:cTn xmlns:p14="http://schemas.microsoft.com/office/powerpoint/2010/main" id="1" dur="indefinite" restart="never" nodeType="tmRoot"/>
       </p:par>
     </p:tnLst>
   </p:timing>
@@ -9922,7 +9922,7 @@
   <p:timing>
     <p:tnLst>
       <p:par>
-        <p:cTn id="1" dur="indefinite" restart="never" nodeType="tmRoot"/>
+        <p:cTn xmlns:p14="http://schemas.microsoft.com/office/powerpoint/2010/main" id="1" dur="indefinite" restart="never" nodeType="tmRoot"/>
       </p:par>
     </p:tnLst>
   </p:timing>
@@ -10228,7 +10228,7 @@
   <p:timing>
     <p:tnLst>
       <p:par>
-        <p:cTn id="1" dur="indefinite" restart="never" nodeType="tmRoot"/>
+        <p:cTn xmlns:p14="http://schemas.microsoft.com/office/powerpoint/2010/main" id="1" dur="indefinite" restart="never" nodeType="tmRoot"/>
       </p:par>
     </p:tnLst>
   </p:timing>
@@ -10433,7 +10433,7 @@
   <p:timing>
     <p:tnLst>
       <p:par>
-        <p:cTn id="1" dur="indefinite" restart="never" nodeType="tmRoot"/>
+        <p:cTn xmlns:p14="http://schemas.microsoft.com/office/powerpoint/2010/main" id="1" dur="indefinite" restart="never" nodeType="tmRoot"/>
       </p:par>
     </p:tnLst>
   </p:timing>
@@ -10675,7 +10675,7 @@
   <p:timing>
     <p:tnLst>
       <p:par>
-        <p:cTn id="1" dur="indefinite" restart="never" nodeType="tmRoot"/>
+        <p:cTn xmlns:p14="http://schemas.microsoft.com/office/powerpoint/2010/main" id="1" dur="indefinite" restart="never" nodeType="tmRoot"/>
       </p:par>
     </p:tnLst>
   </p:timing>
@@ -10841,7 +10841,7 @@
   <p:timing>
     <p:tnLst>
       <p:par>
-        <p:cTn id="1" dur="indefinite" restart="never" nodeType="tmRoot"/>
+        <p:cTn xmlns:p14="http://schemas.microsoft.com/office/powerpoint/2010/main" id="1" dur="indefinite" restart="never" nodeType="tmRoot"/>
       </p:par>
     </p:tnLst>
   </p:timing>
@@ -11098,7 +11098,7 @@
   <p:timing>
     <p:tnLst>
       <p:par>
-        <p:cTn id="1" dur="indefinite" restart="never" nodeType="tmRoot"/>
+        <p:cTn xmlns:p14="http://schemas.microsoft.com/office/powerpoint/2010/main" id="1" dur="indefinite" restart="never" nodeType="tmRoot"/>
       </p:par>
     </p:tnLst>
   </p:timing>
@@ -11442,7 +11442,7 @@
   <p:timing>
     <p:tnLst>
       <p:par>
-        <p:cTn id="1" dur="indefinite" restart="never" nodeType="tmRoot"/>
+        <p:cTn xmlns:p14="http://schemas.microsoft.com/office/powerpoint/2010/main" id="1" dur="indefinite" restart="never" nodeType="tmRoot"/>
       </p:par>
     </p:tnLst>
   </p:timing>
@@ -11655,7 +11655,7 @@
   <p:timing>
     <p:tnLst>
       <p:par>
-        <p:cTn id="1" dur="indefinite" restart="never" nodeType="tmRoot"/>
+        <p:cTn xmlns:p14="http://schemas.microsoft.com/office/powerpoint/2010/main" id="1" dur="indefinite" restart="never" nodeType="tmRoot"/>
       </p:par>
     </p:tnLst>
   </p:timing>
@@ -11810,7 +11810,7 @@
   <p:timing>
     <p:tnLst>
       <p:par>
-        <p:cTn id="1" dur="indefinite" restart="never" nodeType="tmRoot"/>
+        <p:cTn xmlns:p14="http://schemas.microsoft.com/office/powerpoint/2010/main" id="1" dur="indefinite" restart="never" nodeType="tmRoot"/>
       </p:par>
     </p:tnLst>
   </p:timing>
@@ -12043,7 +12043,7 @@
   <p:timing>
     <p:tnLst>
       <p:par>
-        <p:cTn id="1" dur="indefinite" restart="never" nodeType="tmRoot"/>
+        <p:cTn xmlns:p14="http://schemas.microsoft.com/office/powerpoint/2010/main" id="1" dur="indefinite" restart="never" nodeType="tmRoot"/>
       </p:par>
     </p:tnLst>
   </p:timing>
@@ -12333,7 +12333,7 @@
   <p:timing>
     <p:tnLst>
       <p:par>
-        <p:cTn id="1" dur="indefinite" restart="never" nodeType="tmRoot"/>
+        <p:cTn xmlns:p14="http://schemas.microsoft.com/office/powerpoint/2010/main" id="1" dur="indefinite" restart="never" nodeType="tmRoot"/>
       </p:par>
     </p:tnLst>
   </p:timing>
@@ -12550,7 +12550,7 @@
   <p:timing>
     <p:tnLst>
       <p:par>
-        <p:cTn id="1" dur="indefinite" restart="never" nodeType="tmRoot"/>
+        <p:cTn xmlns:p14="http://schemas.microsoft.com/office/powerpoint/2010/main" id="1" dur="indefinite" restart="never" nodeType="tmRoot"/>
       </p:par>
     </p:tnLst>
   </p:timing>
@@ -12845,7 +12845,7 @@
   <p:timing>
     <p:tnLst>
       <p:par>
-        <p:cTn id="1" dur="indefinite" restart="never" nodeType="tmRoot"/>
+        <p:cTn xmlns:p14="http://schemas.microsoft.com/office/powerpoint/2010/main" id="1" dur="indefinite" restart="never" nodeType="tmRoot"/>
       </p:par>
     </p:tnLst>
   </p:timing>
@@ -13051,7 +13051,7 @@
   <p:timing>
     <p:tnLst>
       <p:par>
-        <p:cTn id="1" dur="indefinite" restart="never" nodeType="tmRoot"/>
+        <p:cTn xmlns:p14="http://schemas.microsoft.com/office/powerpoint/2010/main" id="1" dur="indefinite" restart="never" nodeType="tmRoot"/>
       </p:par>
     </p:tnLst>
   </p:timing>
@@ -13286,7 +13286,7 @@
   <p:timing>
     <p:tnLst>
       <p:par>
-        <p:cTn id="1" dur="indefinite" restart="never" nodeType="tmRoot"/>
+        <p:cTn xmlns:p14="http://schemas.microsoft.com/office/powerpoint/2010/main" id="1" dur="indefinite" restart="never" nodeType="tmRoot"/>
       </p:par>
     </p:tnLst>
   </p:timing>
@@ -13487,7 +13487,7 @@
   <p:timing>
     <p:tnLst>
       <p:par>
-        <p:cTn id="1" dur="indefinite" restart="never" nodeType="tmRoot"/>
+        <p:cTn xmlns:p14="http://schemas.microsoft.com/office/powerpoint/2010/main" id="1" dur="indefinite" restart="never" nodeType="tmRoot"/>
       </p:par>
     </p:tnLst>
   </p:timing>
@@ -13683,7 +13683,7 @@
   <p:timing>
     <p:tnLst>
       <p:par>
-        <p:cTn id="1" dur="indefinite" restart="never" nodeType="tmRoot"/>
+        <p:cTn xmlns:p14="http://schemas.microsoft.com/office/powerpoint/2010/main" id="1" dur="indefinite" restart="never" nodeType="tmRoot"/>
       </p:par>
     </p:tnLst>
   </p:timing>
@@ -13767,7 +13767,6 @@
               <a:rPr lang="en-US" sz="2400" dirty="0" smtClean="0"/>
               <a:t>Install module</a:t>
             </a:r>
-            <a:endParaRPr lang="en-US" sz="2400" dirty="0" smtClean="0"/>
           </a:p>
           <a:p>
             <a:pPr lvl="1"/>
@@ -13827,6 +13826,9 @@
               <a:rPr lang="en-US" sz="2000" dirty="0" smtClean="0"/>
               <a:t>Make install</a:t>
             </a:r>
+            <a:br>
+              <a:rPr lang="en-US" sz="2000" dirty="0" smtClean="0"/>
+            </a:br>
             <a:r>
               <a:rPr lang="en-US" sz="2000" dirty="0" smtClean="0"/>
               <a:t/>
@@ -13836,6 +13838,31 @@
             </a:br>
             <a:r>
               <a:rPr lang="en-US" sz="2000" dirty="0" smtClean="0"/>
+              <a:t>Sometimes, use Module::Build</a:t>
+            </a:r>
+          </a:p>
+          <a:p>
+            <a:pPr lvl="1"/>
+            <a:r>
+              <a:rPr lang="en-US" sz="2000" dirty="0" err="1" smtClean="0"/>
+              <a:t>perl</a:t>
+            </a:r>
+            <a:r>
+              <a:rPr lang="en-US" sz="2000" dirty="0" smtClean="0"/>
+              <a:t> Build.PL</a:t>
+            </a:r>
+          </a:p>
+          <a:p>
+            <a:pPr lvl="1"/>
+            <a:r>
+              <a:rPr lang="en-US" sz="2000" dirty="0" smtClean="0"/>
+              <a:t>./Build install</a:t>
+            </a:r>
+            <a:br>
+              <a:rPr lang="en-US" sz="2000" dirty="0" smtClean="0"/>
+            </a:br>
+            <a:r>
+              <a:rPr lang="en-US" sz="2000" dirty="0" smtClean="0"/>
               <a:t/>
             </a:r>
             <a:br>
@@ -13843,42 +13870,6 @@
             </a:br>
             <a:r>
               <a:rPr lang="en-US" sz="2000" dirty="0" smtClean="0"/>
-              <a:t>Sometimes, use Module::Build</a:t>
-            </a:r>
-          </a:p>
-          <a:p>
-            <a:pPr lvl="1"/>
-            <a:r>
-              <a:rPr lang="en-US" sz="2000" dirty="0" err="1" smtClean="0"/>
-              <a:t>perl</a:t>
-            </a:r>
-            <a:r>
-              <a:rPr lang="en-US" sz="2000" dirty="0" smtClean="0"/>
-              <a:t> Build.PL</a:t>
-            </a:r>
-          </a:p>
-          <a:p>
-            <a:pPr lvl="1"/>
-            <a:r>
-              <a:rPr lang="en-US" sz="2000" dirty="0" smtClean="0"/>
-              <a:t>./Build install</a:t>
-            </a:r>
-            <a:r>
-              <a:rPr lang="en-US" sz="2000" dirty="0" smtClean="0"/>
-              <a:t/>
-            </a:r>
-            <a:br>
-              <a:rPr lang="en-US" sz="2000" dirty="0" smtClean="0"/>
-            </a:br>
-            <a:r>
-              <a:rPr lang="en-US" sz="2000" dirty="0" smtClean="0"/>
-              <a:t/>
-            </a:r>
-            <a:br>
-              <a:rPr lang="en-US" sz="2000" dirty="0" smtClean="0"/>
-            </a:br>
-            <a:r>
-              <a:rPr lang="en-US" sz="2000" dirty="0" smtClean="0"/>
               <a:t>Or use CPAN.pm</a:t>
             </a:r>
           </a:p>
@@ -13886,25 +13877,8 @@
             <a:pPr lvl="1"/>
             <a:r>
               <a:rPr lang="en-US" sz="2000" dirty="0" smtClean="0"/>
-              <a:t>perm </a:t>
-            </a:r>
-            <a:r>
-              <a:rPr lang="en-US" sz="2000" dirty="0" smtClean="0"/>
-              <a:t>-</a:t>
-            </a:r>
-            <a:r>
-              <a:rPr lang="en-US" sz="2000" dirty="0" smtClean="0"/>
-              <a:t>MCPAN </a:t>
-            </a:r>
-            <a:r>
-              <a:rPr lang="en-US" sz="2000" dirty="0" smtClean="0"/>
-              <a:t>-</a:t>
-            </a:r>
-            <a:r>
-              <a:rPr lang="en-US" sz="2000" dirty="0" smtClean="0"/>
-              <a:t>e shell</a:t>
-            </a:r>
-            <a:endParaRPr lang="en-US" sz="2000" dirty="0" smtClean="0"/>
+              <a:t>perm -MCPAN -e shell</a:t>
+            </a:r>
           </a:p>
         </p:txBody>
       </p:sp>
@@ -13916,7 +13890,7 @@
   <p:timing>
     <p:tnLst>
       <p:par>
-        <p:cTn id="1" dur="indefinite" restart="never" nodeType="tmRoot"/>
+        <p:cTn xmlns:p14="http://schemas.microsoft.com/office/powerpoint/2010/main" id="1" dur="indefinite" restart="never" nodeType="tmRoot"/>
       </p:par>
     </p:tnLst>
   </p:timing>
@@ -14008,7 +13982,6 @@
               <a:rPr lang="en-US" sz="2400" dirty="0" smtClean="0"/>
               <a:t>)</a:t>
             </a:r>
-            <a:endParaRPr lang="en-US" sz="2400" dirty="0" smtClean="0"/>
           </a:p>
           <a:p>
             <a:pPr lvl="1"/>
@@ -14024,7 +13997,6 @@
               <a:rPr lang="en-US" sz="2000" dirty="0" smtClean="0"/>
               <a:t>;</a:t>
             </a:r>
-            <a:endParaRPr lang="en-US" sz="2000" dirty="0" smtClean="0"/>
           </a:p>
           <a:p>
             <a:pPr lvl="1"/>
@@ -14108,11 +14080,7 @@
             <a:pPr lvl="1"/>
             <a:r>
               <a:rPr lang="en-US" sz="2000" dirty="0" smtClean="0"/>
-              <a:t>u</a:t>
-            </a:r>
-            <a:r>
-              <a:rPr lang="en-US" sz="2000" dirty="0" smtClean="0"/>
-              <a:t>se DBI; # Programming the </a:t>
+              <a:t>use DBI; # Programming the </a:t>
             </a:r>
             <a:r>
               <a:rPr lang="en-US" sz="2000" dirty="0" err="1" smtClean="0"/>
@@ -14127,35 +14095,54 @@
             </a:br>
             <a:r>
               <a:rPr lang="en-US" sz="2000" dirty="0" smtClean="0"/>
-              <a:t>my </a:t>
-            </a:r>
+              <a:t>my $</a:t>
+            </a:r>
+            <a:r>
+              <a:rPr lang="en-US" sz="2000" dirty="0" err="1" smtClean="0"/>
+              <a:t>data_source</a:t>
+            </a:r>
+            <a:r>
+              <a:rPr lang="en-US" sz="2000" dirty="0" smtClean="0"/>
+              <a:t> = "</a:t>
+            </a:r>
+            <a:r>
+              <a:rPr lang="en-US" sz="2000" dirty="0" err="1" smtClean="0"/>
+              <a:t>dbi:Pg:dbname</a:t>
+            </a:r>
+            <a:r>
+              <a:rPr lang="en-US" sz="2000" dirty="0" smtClean="0"/>
+              <a:t>=</a:t>
+            </a:r>
+            <a:r>
+              <a:rPr lang="en-US" sz="2000" dirty="0" err="1" smtClean="0"/>
+              <a:t>name_of_database</a:t>
+            </a:r>
+            <a:r>
+              <a:rPr lang="en-US" sz="2000" dirty="0" smtClean="0"/>
+              <a:t>";</a:t>
+            </a:r>
+            <a:br>
+              <a:rPr lang="en-US" sz="2000" dirty="0" smtClean="0"/>
+            </a:br>
             <a:r>
               <a:rPr lang="en-US" sz="2000" dirty="0" smtClean="0"/>
               <a:t>$</a:t>
             </a:r>
             <a:r>
               <a:rPr lang="en-US" sz="2000" dirty="0" err="1" smtClean="0"/>
+              <a:t>dbh</a:t>
+            </a:r>
+            <a:r>
+              <a:rPr lang="en-US" sz="2000" dirty="0" smtClean="0"/>
+              <a:t> = DBI-&gt;connect($</a:t>
+            </a:r>
+            <a:r>
+              <a:rPr lang="en-US" sz="2000" dirty="0" err="1" smtClean="0"/>
               <a:t>data_source</a:t>
             </a:r>
             <a:r>
               <a:rPr lang="en-US" sz="2000" dirty="0" smtClean="0"/>
-              <a:t> = "</a:t>
-            </a:r>
-            <a:r>
-              <a:rPr lang="en-US" sz="2000" dirty="0" err="1" smtClean="0"/>
-              <a:t>dbi:Pg:dbname</a:t>
-            </a:r>
-            <a:r>
-              <a:rPr lang="en-US" sz="2000" dirty="0" smtClean="0"/>
-              <a:t>=</a:t>
-            </a:r>
-            <a:r>
-              <a:rPr lang="en-US" sz="2000" dirty="0" err="1" smtClean="0"/>
-              <a:t>name_of_database</a:t>
-            </a:r>
-            <a:r>
-              <a:rPr lang="en-US" sz="2000" dirty="0" smtClean="0"/>
-              <a:t>";</a:t>
+              <a:t>, $username, $password);</a:t>
             </a:r>
             <a:br>
               <a:rPr lang="en-US" sz="2000" dirty="0" smtClean="0"/>
@@ -14166,23 +14153,35 @@
             </a:r>
             <a:r>
               <a:rPr lang="en-US" sz="2000" dirty="0" err="1" smtClean="0"/>
+              <a:t>sth</a:t>
+            </a:r>
+            <a:r>
+              <a:rPr lang="en-US" sz="2000" dirty="0" smtClean="0"/>
+              <a:t> = $</a:t>
+            </a:r>
+            <a:r>
+              <a:rPr lang="en-US" sz="2000" dirty="0" err="1" smtClean="0"/>
               <a:t>dbh</a:t>
             </a:r>
             <a:r>
               <a:rPr lang="en-US" sz="2000" dirty="0" smtClean="0"/>
-              <a:t> = DBI-&gt;connect($</a:t>
-            </a:r>
-            <a:r>
-              <a:rPr lang="en-US" sz="2000" dirty="0" err="1" smtClean="0"/>
-              <a:t>data_source</a:t>
-            </a:r>
-            <a:r>
-              <a:rPr lang="en-US" sz="2000" dirty="0" smtClean="0"/>
-              <a:t>, $username, $password</a:t>
-            </a:r>
-            <a:r>
-              <a:rPr lang="en-US" sz="2000" dirty="0" smtClean="0"/>
-              <a:t>);</a:t>
+              <a:t>-&gt;prepare("SELECT * FROM </a:t>
+            </a:r>
+            <a:r>
+              <a:rPr lang="en-US" sz="2000" dirty="0" err="1" smtClean="0"/>
+              <a:t>foo</a:t>
+            </a:r>
+            <a:r>
+              <a:rPr lang="en-US" sz="2000" dirty="0" smtClean="0"/>
+              <a:t> WHERE </a:t>
+            </a:r>
+            <a:r>
+              <a:rPr lang="en-US" sz="2000" dirty="0" err="1" smtClean="0"/>
+              <a:t>bla</a:t>
+            </a:r>
+            <a:r>
+              <a:rPr lang="en-US" sz="2000" dirty="0" smtClean="0"/>
+              <a:t>");</a:t>
             </a:r>
             <a:br>
               <a:rPr lang="en-US" sz="2000" dirty="0" smtClean="0"/>
@@ -14197,31 +14196,38 @@
             </a:r>
             <a:r>
               <a:rPr lang="en-US" sz="2000" dirty="0" smtClean="0"/>
+              <a:t>-&gt;execute();</a:t>
+            </a:r>
+            <a:br>
+              <a:rPr lang="en-US" sz="2000" dirty="0" smtClean="0"/>
+            </a:br>
+            <a:r>
+              <a:rPr lang="en-US" sz="2000" dirty="0" smtClean="0"/>
+              <a:t>@</a:t>
+            </a:r>
+            <a:r>
+              <a:rPr lang="en-US" sz="2000" dirty="0" err="1" smtClean="0"/>
+              <a:t>row_ary</a:t>
+            </a:r>
+            <a:r>
+              <a:rPr lang="en-US" sz="2000" dirty="0" smtClean="0"/>
               <a:t> = $</a:t>
             </a:r>
             <a:r>
               <a:rPr lang="en-US" sz="2000" dirty="0" err="1" smtClean="0"/>
-              <a:t>dbh</a:t>
-            </a:r>
-            <a:r>
-              <a:rPr lang="en-US" sz="2000" dirty="0" smtClean="0"/>
-              <a:t>-&gt;prepare("SELECT * FROM </a:t>
-            </a:r>
-            <a:r>
-              <a:rPr lang="en-US" sz="2000" dirty="0" err="1" smtClean="0"/>
-              <a:t>foo</a:t>
-            </a:r>
-            <a:r>
-              <a:rPr lang="en-US" sz="2000" dirty="0" smtClean="0"/>
-              <a:t> WHERE </a:t>
-            </a:r>
-            <a:r>
-              <a:rPr lang="en-US" sz="2000" dirty="0" err="1" smtClean="0"/>
-              <a:t>bla</a:t>
-            </a:r>
-            <a:r>
-              <a:rPr lang="en-US" sz="2000" dirty="0" smtClean="0"/>
-              <a:t>");</a:t>
+              <a:t>sth</a:t>
+            </a:r>
+            <a:r>
+              <a:rPr lang="en-US" sz="2000" dirty="0" smtClean="0"/>
+              <a:t>-&gt;</a:t>
+            </a:r>
+            <a:r>
+              <a:rPr lang="en-US" sz="2000" dirty="0" err="1" smtClean="0"/>
+              <a:t>fetchrow_array</a:t>
+            </a:r>
+            <a:r>
+              <a:rPr lang="en-US" sz="2000" dirty="0" smtClean="0"/>
+              <a:t>;</a:t>
             </a:r>
             <a:br>
               <a:rPr lang="en-US" sz="2000" dirty="0" smtClean="0"/>
@@ -14236,61 +14242,7 @@
             </a:r>
             <a:r>
               <a:rPr lang="en-US" sz="2000" dirty="0" smtClean="0"/>
-              <a:t>-&gt;execute</a:t>
-            </a:r>
-            <a:r>
-              <a:rPr lang="en-US" sz="2000" dirty="0" smtClean="0"/>
-              <a:t>();</a:t>
-            </a:r>
-            <a:br>
-              <a:rPr lang="en-US" sz="2000" dirty="0" smtClean="0"/>
-            </a:br>
-            <a:r>
-              <a:rPr lang="en-US" sz="2000" dirty="0" smtClean="0"/>
-              <a:t>@</a:t>
-            </a:r>
-            <a:r>
-              <a:rPr lang="en-US" sz="2000" dirty="0" err="1" smtClean="0"/>
-              <a:t>row_ary</a:t>
-            </a:r>
-            <a:r>
-              <a:rPr lang="en-US" sz="2000" dirty="0" smtClean="0"/>
-              <a:t> = $</a:t>
-            </a:r>
-            <a:r>
-              <a:rPr lang="en-US" sz="2000" dirty="0" err="1" smtClean="0"/>
-              <a:t>sth</a:t>
-            </a:r>
-            <a:r>
-              <a:rPr lang="en-US" sz="2000" dirty="0" smtClean="0"/>
-              <a:t>-&gt;</a:t>
-            </a:r>
-            <a:r>
-              <a:rPr lang="en-US" sz="2000" dirty="0" err="1" smtClean="0"/>
-              <a:t>fetchrow_array</a:t>
-            </a:r>
-            <a:r>
-              <a:rPr lang="en-US" sz="2000" dirty="0" smtClean="0"/>
-              <a:t>;</a:t>
-            </a:r>
-            <a:br>
-              <a:rPr lang="en-US" sz="2000" dirty="0" smtClean="0"/>
-            </a:br>
-            <a:r>
-              <a:rPr lang="en-US" sz="2000" dirty="0" smtClean="0"/>
-              <a:t>$</a:t>
-            </a:r>
-            <a:r>
-              <a:rPr lang="en-US" sz="2000" dirty="0" err="1" smtClean="0"/>
-              <a:t>sth</a:t>
-            </a:r>
-            <a:r>
-              <a:rPr lang="en-US" sz="2000" dirty="0" smtClean="0"/>
-              <a:t>-&gt;finish</a:t>
-            </a:r>
-            <a:r>
-              <a:rPr lang="en-US" sz="2000" dirty="0" smtClean="0"/>
-              <a:t>;</a:t>
+              <a:t>-&gt;finish;</a:t>
             </a:r>
             <a:br>
               <a:rPr lang="en-US" sz="2000" dirty="0" smtClean="0"/>
@@ -14318,7 +14270,7 @@
   <p:timing>
     <p:tnLst>
       <p:par>
-        <p:cTn id="1" dur="indefinite" restart="never" nodeType="tmRoot"/>
+        <p:cTn xmlns:p14="http://schemas.microsoft.com/office/powerpoint/2010/main" id="1" dur="indefinite" restart="never" nodeType="tmRoot"/>
       </p:par>
     </p:tnLst>
   </p:timing>
@@ -14414,49 +14366,12 @@
               <a:rPr lang="en-US" sz="2400" dirty="0" smtClean="0"/>
               <a:t>)</a:t>
             </a:r>
-            <a:endParaRPr lang="en-US" sz="2400" dirty="0" smtClean="0"/>
-          </a:p>
-          <a:p>
-            <a:pPr lvl="1"/>
-            <a:r>
-              <a:rPr lang="en-US" sz="2000" dirty="0" smtClean="0"/>
-              <a:t>The smart match operator, ~~, looks at both of its operands and decides on its </a:t>
-            </a:r>
-            <a:r>
-              <a:rPr lang="en-US" sz="2000" dirty="0" smtClean="0"/>
-              <a:t>own </a:t>
-            </a:r>
-            <a:r>
-              <a:rPr lang="en-US" sz="2000" dirty="0" smtClean="0"/>
-              <a:t>how it should compare </a:t>
-            </a:r>
-            <a:r>
-              <a:rPr lang="en-US" sz="2000" dirty="0" smtClean="0"/>
-              <a:t>them. </a:t>
-            </a:r>
-            <a:r>
-              <a:rPr lang="en-US" sz="2000" dirty="0" smtClean="0"/>
-              <a:t>If the operands look like numbers, it does a </a:t>
-            </a:r>
-            <a:r>
-              <a:rPr lang="en-US" sz="2000" dirty="0" smtClean="0"/>
-              <a:t>numeric </a:t>
-            </a:r>
-            <a:r>
-              <a:rPr lang="en-US" sz="2000" dirty="0" smtClean="0"/>
-              <a:t>comparison. If they look like strings, it does a string comparison. If one of the </a:t>
-            </a:r>
-            <a:r>
-              <a:rPr lang="en-US" sz="2000" dirty="0" smtClean="0"/>
-              <a:t>operands </a:t>
-            </a:r>
-            <a:r>
-              <a:rPr lang="en-US" sz="2000" dirty="0" smtClean="0"/>
-              <a:t>is a regular expression, it does a pattern </a:t>
-            </a:r>
-            <a:r>
-              <a:rPr lang="en-US" sz="2000" dirty="0" smtClean="0"/>
-              <a:t>match</a:t>
+          </a:p>
+          <a:p>
+            <a:pPr lvl="1"/>
+            <a:r>
+              <a:rPr lang="en-US" sz="2000" dirty="0" smtClean="0"/>
+              <a:t>The smart match operator, ~~, looks at both of its operands and decides on its own how it should compare them. If the operands look like numbers, it does a numeric comparison. If they look like strings, it does a string comparison. If one of the operands is a regular expression, it does a pattern match</a:t>
             </a:r>
             <a:br>
               <a:rPr lang="en-US" sz="2000" dirty="0" smtClean="0"/>
@@ -14470,15 +14385,7 @@
             </a:br>
             <a:r>
               <a:rPr lang="en-US" sz="2000" dirty="0" smtClean="0"/>
-              <a:t>use </a:t>
-            </a:r>
-            <a:r>
-              <a:rPr lang="en-US" sz="2000" dirty="0" smtClean="0"/>
-              <a:t>5.010</a:t>
-            </a:r>
-            <a:r>
-              <a:rPr lang="en-US" sz="2000" dirty="0" smtClean="0"/>
-              <a:t>;</a:t>
+              <a:t>use 5.010;</a:t>
             </a:r>
             <a:br>
               <a:rPr lang="en-US" sz="2000" dirty="0" smtClean="0"/>
@@ -14492,11 +14399,7 @@
             </a:br>
             <a:r>
               <a:rPr lang="en-US" sz="2000" dirty="0" smtClean="0"/>
-              <a:t>say </a:t>
-            </a:r>
-            <a:r>
-              <a:rPr lang="en-US" sz="2000" dirty="0" smtClean="0"/>
-              <a:t>"I found a key matching 'Fred'" if %names</a:t>
+              <a:t>say "I found a key matching 'Fred'" if %names</a:t>
             </a:r>
             <a:r>
               <a:rPr lang="en-US" sz="2000" b="1" dirty="0" smtClean="0">
@@ -14508,11 +14411,7 @@
             </a:r>
             <a:r>
               <a:rPr lang="en-US" sz="2000" dirty="0" smtClean="0"/>
-              <a:t>/Fred</a:t>
-            </a:r>
-            <a:r>
-              <a:rPr lang="en-US" sz="2000" dirty="0" smtClean="0"/>
-              <a:t>/; </a:t>
+              <a:t>/Fred/; </a:t>
             </a:r>
             <a:br>
               <a:rPr lang="en-US" sz="2000" dirty="0" smtClean="0"/>
@@ -14533,90 +14432,53 @@
             </a:br>
             <a:r>
               <a:rPr lang="en-US" sz="2000" dirty="0" smtClean="0"/>
-              <a:t>say </a:t>
-            </a:r>
-            <a:r>
-              <a:rPr lang="en-US" sz="2000" dirty="0" smtClean="0"/>
-              <a:t>"The arrays have the same </a:t>
-            </a:r>
-            <a:r>
-              <a:rPr lang="en-US" sz="2000" dirty="0" smtClean="0"/>
-              <a:t>elements!” if </a:t>
-            </a:r>
-            <a:r>
-              <a:rPr lang="en-US" sz="2000" dirty="0" smtClean="0"/>
-              <a:t>@names1 ~~ @names2</a:t>
+              <a:t>say "The arrays have the same elements!” if @names1 ~~ @names2;</a:t>
+            </a:r>
+            <a:br>
+              <a:rPr lang="en-US" sz="2000" dirty="0" smtClean="0"/>
+            </a:br>
+            <a:r>
+              <a:rPr lang="en-US" sz="2000" dirty="0" smtClean="0"/>
+              <a:t/>
+            </a:r>
+            <a:br>
+              <a:rPr lang="en-US" sz="2000" dirty="0" smtClean="0"/>
+            </a:br>
+            <a:r>
+              <a:rPr lang="en-US" sz="2000" dirty="0" smtClean="0"/>
+              <a:t># test if the </a:t>
+            </a:r>
+            <a:r>
+              <a:rPr lang="en-US" sz="2000" dirty="0" err="1" smtClean="0"/>
+              <a:t>var</a:t>
+            </a:r>
+            <a:r>
+              <a:rPr lang="en-US" sz="2000" dirty="0" smtClean="0"/>
+              <a:t> is in the array</a:t>
+            </a:r>
+            <a:br>
+              <a:rPr lang="en-US" sz="2000" dirty="0" smtClean="0"/>
+            </a:br>
+            <a:r>
+              <a:rPr lang="en-US" sz="2000" dirty="0" smtClean="0"/>
+              <a:t> say "The [$result] is one of the values (@</a:t>
+            </a:r>
+            <a:r>
+              <a:rPr lang="en-US" sz="2000" dirty="0" err="1" smtClean="0"/>
+              <a:t>nums</a:t>
+            </a:r>
+            <a:r>
+              <a:rPr lang="en-US" sz="2000" dirty="0" smtClean="0"/>
+              <a:t>)” if $result ~~ @</a:t>
+            </a:r>
+            <a:r>
+              <a:rPr lang="en-US" sz="2000" dirty="0" err="1" smtClean="0"/>
+              <a:t>nums</a:t>
             </a:r>
             <a:r>
               <a:rPr lang="en-US" sz="2000" dirty="0" smtClean="0"/>
               <a:t>;</a:t>
             </a:r>
-            <a:br>
-              <a:rPr lang="en-US" sz="2000" dirty="0" smtClean="0"/>
-            </a:br>
-            <a:r>
-              <a:rPr lang="en-US" sz="2000" dirty="0" smtClean="0"/>
-              <a:t/>
-            </a:r>
-            <a:br>
-              <a:rPr lang="en-US" sz="2000" dirty="0" smtClean="0"/>
-            </a:br>
-            <a:r>
-              <a:rPr lang="en-US" sz="2000" dirty="0" smtClean="0"/>
-              <a:t># test if the </a:t>
-            </a:r>
-            <a:r>
-              <a:rPr lang="en-US" sz="2000" dirty="0" err="1" smtClean="0"/>
-              <a:t>var</a:t>
-            </a:r>
-            <a:r>
-              <a:rPr lang="en-US" sz="2000" dirty="0" smtClean="0"/>
-              <a:t> is in the array</a:t>
-            </a:r>
-            <a:br>
-              <a:rPr lang="en-US" sz="2000" dirty="0" smtClean="0"/>
-            </a:br>
-            <a:r>
-              <a:rPr lang="en-US" sz="2000" dirty="0" smtClean="0"/>
-              <a:t> say "</a:t>
-            </a:r>
-            <a:r>
-              <a:rPr lang="en-US" sz="2000" dirty="0" smtClean="0"/>
-              <a:t>The </a:t>
-            </a:r>
-            <a:r>
-              <a:rPr lang="en-US" sz="2000" dirty="0" smtClean="0"/>
-              <a:t>[$result] is one of the </a:t>
-            </a:r>
-            <a:r>
-              <a:rPr lang="en-US" sz="2000" dirty="0" smtClean="0"/>
-              <a:t>values </a:t>
-            </a:r>
-            <a:r>
-              <a:rPr lang="en-US" sz="2000" dirty="0" smtClean="0"/>
-              <a:t>(@</a:t>
-            </a:r>
-            <a:r>
-              <a:rPr lang="en-US" sz="2000" dirty="0" err="1" smtClean="0"/>
-              <a:t>nums</a:t>
-            </a:r>
-            <a:r>
-              <a:rPr lang="en-US" sz="2000" dirty="0" smtClean="0"/>
-              <a:t>)” if </a:t>
-            </a:r>
-            <a:r>
-              <a:rPr lang="en-US" sz="2000" dirty="0" smtClean="0"/>
-              <a:t>$result ~~ @</a:t>
-            </a:r>
-            <a:r>
-              <a:rPr lang="en-US" sz="2000" dirty="0" err="1" smtClean="0"/>
-              <a:t>nums</a:t>
-            </a:r>
-            <a:r>
-              <a:rPr lang="en-US" sz="2000" dirty="0" smtClean="0"/>
-              <a:t>;</a:t>
-            </a:r>
-            <a:endParaRPr lang="en-US" sz="2000" dirty="0" smtClean="0"/>
           </a:p>
         </p:txBody>
       </p:sp>
@@ -14628,7 +14490,7 @@
   <p:timing>
     <p:tnLst>
       <p:par>
-        <p:cTn id="1" dur="indefinite" restart="never" nodeType="tmRoot"/>
+        <p:cTn xmlns:p14="http://schemas.microsoft.com/office/powerpoint/2010/main" id="1" dur="indefinite" restart="never" nodeType="tmRoot"/>
       </p:par>
     </p:tnLst>
   </p:timing>
@@ -14712,7 +14574,6 @@
               <a:rPr lang="en-US" sz="2400" dirty="0" smtClean="0"/>
               <a:t>Smart Match Precedence</a:t>
             </a:r>
-            <a:endParaRPr lang="en-US" sz="2400" dirty="0" smtClean="0"/>
           </a:p>
           <a:p>
             <a:pPr lvl="1"/>
@@ -14760,7 +14621,7 @@
   <p:timing>
     <p:tnLst>
       <p:par>
-        <p:cTn id="1" dur="indefinite" restart="never" nodeType="tmRoot"/>
+        <p:cTn xmlns:p14="http://schemas.microsoft.com/office/powerpoint/2010/main" id="1" dur="indefinite" restart="never" nodeType="tmRoot"/>
       </p:par>
     </p:tnLst>
   </p:timing>
@@ -14844,43 +14705,26 @@
               <a:rPr lang="en-US" sz="2400" dirty="0" smtClean="0"/>
               <a:t>given-when (like switch-case in C)</a:t>
             </a:r>
-            <a:endParaRPr lang="en-US" sz="2400" dirty="0" smtClean="0"/>
-          </a:p>
-          <a:p>
-            <a:pPr lvl="1"/>
-            <a:r>
-              <a:rPr lang="en-US" sz="2000" dirty="0" smtClean="0"/>
-              <a:t>use 5.010</a:t>
-            </a:r>
-            <a:r>
-              <a:rPr lang="en-US" sz="2000" dirty="0" smtClean="0"/>
-              <a:t>;</a:t>
-            </a:r>
-            <a:br>
-              <a:rPr lang="en-US" sz="2000" dirty="0" smtClean="0"/>
-            </a:br>
-            <a:r>
-              <a:rPr lang="en-US" sz="2000" dirty="0" smtClean="0"/>
-              <a:t>given</a:t>
-            </a:r>
-            <a:r>
-              <a:rPr lang="en-US" sz="2000" dirty="0" smtClean="0"/>
-              <a:t>( $ARGV[0] ) </a:t>
-            </a:r>
-            <a:r>
-              <a:rPr lang="en-US" sz="2000" dirty="0" smtClean="0"/>
-              <a:t>{</a:t>
-            </a:r>
-            <a:br>
-              <a:rPr lang="en-US" sz="2000" dirty="0" smtClean="0"/>
-            </a:br>
-            <a:r>
-              <a:rPr lang="en-US" sz="2000" dirty="0" smtClean="0"/>
-              <a:t>    when</a:t>
-            </a:r>
-            <a:r>
-              <a:rPr lang="en-US" sz="2000" dirty="0" smtClean="0"/>
-              <a:t>( /</a:t>
+          </a:p>
+          <a:p>
+            <a:pPr lvl="1"/>
+            <a:r>
+              <a:rPr lang="en-US" sz="2000" dirty="0" smtClean="0"/>
+              <a:t>use 5.010;</a:t>
+            </a:r>
+            <a:br>
+              <a:rPr lang="en-US" sz="2000" dirty="0" smtClean="0"/>
+            </a:br>
+            <a:r>
+              <a:rPr lang="en-US" sz="2000" dirty="0" smtClean="0"/>
+              <a:t>given( $ARGV[0] ) {</a:t>
+            </a:r>
+            <a:br>
+              <a:rPr lang="en-US" sz="2000" dirty="0" smtClean="0"/>
+            </a:br>
+            <a:r>
+              <a:rPr lang="en-US" sz="2000" dirty="0" smtClean="0"/>
+              <a:t>    when( /</a:t>
             </a:r>
             <a:r>
               <a:rPr lang="en-US" sz="2000" dirty="0" err="1" smtClean="0"/>
@@ -14904,11 +14748,7 @@
             </a:r>
             <a:r>
               <a:rPr lang="en-US" sz="2000" dirty="0" smtClean="0"/>
-              <a:t> in </a:t>
-            </a:r>
-            <a:r>
-              <a:rPr lang="en-US" sz="2000" dirty="0" smtClean="0"/>
-              <a:t>it‘; </a:t>
+              <a:t> in it‘; </a:t>
             </a:r>
             <a:r>
               <a:rPr lang="en-US" sz="2000" dirty="0" smtClean="0">
@@ -14927,82 +14767,42 @@
             </a:br>
             <a:r>
               <a:rPr lang="en-US" sz="2000" dirty="0" smtClean="0"/>
-              <a:t>    when</a:t>
-            </a:r>
-            <a:r>
-              <a:rPr lang="en-US" sz="2000" dirty="0" smtClean="0"/>
-              <a:t>( /^Fred/ ) { say 'Name starts with Fred' </a:t>
-            </a:r>
-            <a:r>
-              <a:rPr lang="en-US" sz="2000" dirty="0" smtClean="0"/>
-              <a:t>; break;}</a:t>
-            </a:r>
-            <a:br>
-              <a:rPr lang="en-US" sz="2000" dirty="0" smtClean="0"/>
-            </a:br>
-            <a:r>
-              <a:rPr lang="en-US" sz="2000" dirty="0" smtClean="0"/>
-              <a:t>    default </a:t>
-            </a:r>
-            <a:r>
-              <a:rPr lang="en-US" sz="2000" dirty="0" smtClean="0"/>
-              <a:t>{ say "I don't see a Fred" </a:t>
-            </a:r>
+              <a:t>    when( /^Fred/ ) { say 'Name starts with Fred' ; break;}</a:t>
+            </a:r>
+            <a:br>
+              <a:rPr lang="en-US" sz="2000" dirty="0" smtClean="0"/>
+            </a:br>
+            <a:r>
+              <a:rPr lang="en-US" sz="2000" dirty="0" smtClean="0"/>
+              <a:t>    default { say "I don't see a Fred" }</a:t>
+            </a:r>
+            <a:br>
+              <a:rPr lang="en-US" sz="2000" dirty="0" smtClean="0"/>
+            </a:br>
             <a:r>
               <a:rPr lang="en-US" sz="2000" dirty="0" smtClean="0"/>
               <a:t>}</a:t>
             </a:r>
-            <a:br>
-              <a:rPr lang="en-US" sz="2000" dirty="0" smtClean="0"/>
-            </a:br>
-            <a:r>
-              <a:rPr lang="en-US" sz="2000" dirty="0" smtClean="0"/>
-              <a:t>}</a:t>
-            </a:r>
-          </a:p>
-          <a:p>
-            <a:pPr lvl="1"/>
-            <a:r>
-              <a:rPr lang="en-US" sz="2000" dirty="0" smtClean="0"/>
-              <a:t>If the when </a:t>
-            </a:r>
-            <a:r>
-              <a:rPr lang="en-US" sz="2000" dirty="0" smtClean="0"/>
-              <a:t>before </a:t>
-            </a:r>
-            <a:r>
-              <a:rPr lang="en-US" sz="2000" dirty="0" smtClean="0"/>
-              <a:t>the default has a continue, Perl goes on to the default </a:t>
-            </a:r>
-            <a:r>
-              <a:rPr lang="en-US" sz="2000" dirty="0" smtClean="0"/>
-              <a:t>too</a:t>
-            </a:r>
-            <a:br>
-              <a:rPr lang="en-US" sz="2000" dirty="0" smtClean="0"/>
-            </a:br>
-            <a:r>
-              <a:rPr lang="en-US" sz="2000" dirty="0" smtClean="0"/>
-              <a:t>given</a:t>
-            </a:r>
-            <a:r>
-              <a:rPr lang="en-US" sz="2000" dirty="0" smtClean="0"/>
-              <a:t>( $ARGV[0] ) </a:t>
-            </a:r>
-            <a:r>
-              <a:rPr lang="en-US" sz="2000" dirty="0" smtClean="0"/>
-              <a:t>{</a:t>
-            </a:r>
-            <a:br>
-              <a:rPr lang="en-US" sz="2000" dirty="0" smtClean="0"/>
-            </a:br>
-            <a:r>
-              <a:rPr lang="en-US" sz="2000" dirty="0" smtClean="0"/>
-              <a:t>    </a:t>
-            </a:r>
-            <a:r>
-              <a:rPr lang="en-US" sz="2000" dirty="0" smtClean="0"/>
-              <a:t>when( $_ ~~ /</a:t>
+          </a:p>
+          <a:p>
+            <a:pPr lvl="1"/>
+            <a:r>
+              <a:rPr lang="en-US" sz="2000" dirty="0" smtClean="0"/>
+              <a:t>If the when before the default has a continue, Perl goes on to the default too</a:t>
+            </a:r>
+            <a:br>
+              <a:rPr lang="en-US" sz="2000" dirty="0" smtClean="0"/>
+            </a:br>
+            <a:r>
+              <a:rPr lang="en-US" sz="2000" dirty="0" smtClean="0"/>
+              <a:t>given( $ARGV[0] ) {</a:t>
+            </a:r>
+            <a:br>
+              <a:rPr lang="en-US" sz="2000" dirty="0" smtClean="0"/>
+            </a:br>
+            <a:r>
+              <a:rPr lang="en-US" sz="2000" dirty="0" smtClean="0"/>
+              <a:t>    when( $_ ~~ /</a:t>
             </a:r>
             <a:r>
               <a:rPr lang="en-US" sz="2000" dirty="0" err="1" smtClean="0"/>
@@ -15038,26 +14838,14 @@
             </a:r>
             <a:r>
               <a:rPr lang="en-US" sz="2000" dirty="0" smtClean="0"/>
-              <a:t> </a:t>
-            </a:r>
-            <a:r>
-              <a:rPr lang="en-US" sz="2000" dirty="0" smtClean="0"/>
-              <a:t>}</a:t>
-            </a:r>
-            <a:br>
-              <a:rPr lang="en-US" sz="2000" dirty="0" smtClean="0"/>
-            </a:br>
-            <a:r>
-              <a:rPr lang="en-US" sz="2000" dirty="0" smtClean="0"/>
-              <a:t> </a:t>
-            </a:r>
-            <a:r>
-              <a:rPr lang="en-US" sz="2000" dirty="0" smtClean="0"/>
-              <a:t>   when</a:t>
-            </a:r>
-            <a:r>
-              <a:rPr lang="en-US" sz="2000" dirty="0" smtClean="0"/>
-              <a:t>( $_ ~~ 'Fred' ) { say 'Name is Fred'; continue } # </a:t>
+              <a:t> }</a:t>
+            </a:r>
+            <a:br>
+              <a:rPr lang="en-US" sz="2000" dirty="0" smtClean="0"/>
+            </a:br>
+            <a:r>
+              <a:rPr lang="en-US" sz="2000" dirty="0" smtClean="0"/>
+              <a:t>    when( $_ ~~ 'Fred' ) { say 'Name is Fred'; continue } # </a:t>
             </a:r>
             <a:r>
               <a:rPr lang="en-US" sz="2000" dirty="0" smtClean="0">
@@ -15076,19 +14864,7 @@
             </a:br>
             <a:r>
               <a:rPr lang="en-US" sz="2000" dirty="0" smtClean="0"/>
-              <a:t> </a:t>
-            </a:r>
-            <a:r>
-              <a:rPr lang="en-US" sz="2000" dirty="0" smtClean="0"/>
-              <a:t>   when</a:t>
-            </a:r>
-            <a:r>
-              <a:rPr lang="en-US" sz="2000" dirty="0" smtClean="0"/>
-              <a:t>( 1 == 1 ) { say "I don't see a Fred" } # </a:t>
-            </a:r>
-            <a:r>
-              <a:rPr lang="en-US" sz="2000" dirty="0" smtClean="0"/>
-              <a:t>default</a:t>
+              <a:t>    when( 1 == 1 ) { say "I don't see a Fred" } # default</a:t>
             </a:r>
             <a:br>
               <a:rPr lang="en-US" sz="2000" dirty="0" smtClean="0"/>
@@ -15112,7 +14888,7 @@
   <p:timing>
     <p:tnLst>
       <p:par>
-        <p:cTn id="1" dur="indefinite" restart="never" nodeType="tmRoot"/>
+        <p:cTn xmlns:p14="http://schemas.microsoft.com/office/powerpoint/2010/main" id="1" dur="indefinite" restart="never" nodeType="tmRoot"/>
       </p:par>
     </p:tnLst>
   </p:timing>
@@ -15196,66 +14972,33 @@
               <a:rPr lang="en-US" sz="2400" dirty="0" smtClean="0"/>
               <a:t>Dump matching</a:t>
             </a:r>
-            <a:endParaRPr lang="en-US" sz="2400" dirty="0" smtClean="0"/>
-          </a:p>
-          <a:p>
-            <a:pPr lvl="1"/>
-            <a:r>
-              <a:rPr lang="en-US" sz="2000" dirty="0" smtClean="0"/>
-              <a:t>use 5.010</a:t>
-            </a:r>
-            <a:r>
-              <a:rPr lang="en-US" sz="2000" dirty="0" smtClean="0"/>
-              <a:t>;</a:t>
-            </a:r>
-            <a:br>
-              <a:rPr lang="en-US" sz="2000" dirty="0" smtClean="0"/>
-            </a:br>
-            <a:r>
-              <a:rPr lang="en-US" sz="2000" dirty="0" smtClean="0"/>
-              <a:t>given( $ARGV[0] ) </a:t>
-            </a:r>
-            <a:r>
-              <a:rPr lang="en-US" sz="2000" dirty="0" smtClean="0"/>
-              <a:t>{</a:t>
-            </a:r>
-            <a:br>
-              <a:rPr lang="en-US" sz="2000" dirty="0" smtClean="0"/>
-            </a:br>
-            <a:r>
-              <a:rPr lang="en-US" sz="2000" dirty="0" smtClean="0"/>
-              <a:t>    when</a:t>
-            </a:r>
-            <a:r>
-              <a:rPr lang="en-US" sz="2000" dirty="0" smtClean="0"/>
-              <a:t>( /^-?\d+\.\d+$/ ) </a:t>
-            </a:r>
-            <a:r>
-              <a:rPr lang="en-US" sz="2000" dirty="0" smtClean="0"/>
-              <a:t>{} #smart </a:t>
-            </a:r>
-            <a:br>
-              <a:rPr lang="en-US" sz="2000" dirty="0" smtClean="0"/>
-            </a:br>
-            <a:r>
-              <a:rPr lang="en-US" sz="2000" dirty="0" smtClean="0"/>
-              <a:t>    when</a:t>
-            </a:r>
-            <a:r>
-              <a:rPr lang="en-US" sz="2000" dirty="0" smtClean="0"/>
-              <a:t>( $_ &gt; 10 </a:t>
-            </a:r>
-            <a:r>
-              <a:rPr lang="en-US" sz="2000" dirty="0" smtClean="0"/>
-              <a:t>) {} </a:t>
-            </a:r>
-            <a:r>
-              <a:rPr lang="en-US" sz="2000" dirty="0" smtClean="0"/>
-              <a:t>#</a:t>
-            </a:r>
-            <a:r>
-              <a:rPr lang="en-US" sz="2000" dirty="0" smtClean="0"/>
-              <a:t>dumb</a:t>
+          </a:p>
+          <a:p>
+            <a:pPr lvl="1"/>
+            <a:r>
+              <a:rPr lang="en-US" sz="2000" dirty="0" smtClean="0"/>
+              <a:t>use 5.010;</a:t>
+            </a:r>
+            <a:br>
+              <a:rPr lang="en-US" sz="2000" dirty="0" smtClean="0"/>
+            </a:br>
+            <a:r>
+              <a:rPr lang="en-US" sz="2000" dirty="0" smtClean="0"/>
+              <a:t>given( $ARGV[0] ) {</a:t>
+            </a:r>
+            <a:br>
+              <a:rPr lang="en-US" sz="2000" dirty="0" smtClean="0"/>
+            </a:br>
+            <a:r>
+              <a:rPr lang="en-US" sz="2000" dirty="0" smtClean="0"/>
+              <a:t>    when( /^-?\d+\.\d+$/ ) {} #smart </a:t>
+            </a:r>
+            <a:br>
+              <a:rPr lang="en-US" sz="2000" dirty="0" smtClean="0"/>
+            </a:br>
+            <a:r>
+              <a:rPr lang="en-US" sz="2000" dirty="0" smtClean="0"/>
+              <a:t>    when( $_ &gt; 10 ) {} #dumb</a:t>
             </a:r>
             <a:br>
               <a:rPr lang="en-US" sz="2000" dirty="0" smtClean="0"/>
@@ -15269,26 +15012,14 @@
             <a:pPr lvl="1"/>
             <a:r>
               <a:rPr lang="en-US" sz="2000" dirty="0" smtClean="0"/>
-              <a:t>given( $ARGV[0] ) </a:t>
-            </a:r>
-            <a:r>
-              <a:rPr lang="en-US" sz="2000" dirty="0" smtClean="0"/>
-              <a:t>{</a:t>
-            </a:r>
-            <a:br>
-              <a:rPr lang="en-US" sz="2000" dirty="0" smtClean="0"/>
-            </a:br>
-            <a:r>
-              <a:rPr lang="en-US" sz="2000" dirty="0" smtClean="0"/>
-              <a:t>    when</a:t>
-            </a:r>
-            <a:r>
-              <a:rPr lang="en-US" sz="2000" dirty="0" smtClean="0"/>
-              <a:t>( </a:t>
-            </a:r>
-            <a:r>
-              <a:rPr lang="en-US" sz="2000" dirty="0" smtClean="0"/>
-              <a:t>&amp;</a:t>
+              <a:t>given( $ARGV[0] ) {</a:t>
+            </a:r>
+            <a:br>
+              <a:rPr lang="en-US" sz="2000" dirty="0" smtClean="0"/>
+            </a:br>
+            <a:r>
+              <a:rPr lang="en-US" sz="2000" dirty="0" smtClean="0"/>
+              <a:t>    when( &amp;</a:t>
             </a:r>
             <a:r>
               <a:rPr lang="en-US" sz="2000" dirty="0" err="1" smtClean="0"/>
@@ -15296,19 +15027,7 @@
             </a:r>
             <a:r>
               <a:rPr lang="en-US" sz="2000" dirty="0" smtClean="0"/>
-              <a:t>( $_ ) ) </a:t>
-            </a:r>
-            <a:r>
-              <a:rPr lang="en-US" sz="2000" dirty="0" smtClean="0"/>
-              <a:t>{ }  </a:t>
-            </a:r>
-            <a:r>
-              <a:rPr lang="en-US" sz="2000" dirty="0" smtClean="0"/>
-              <a:t>#</a:t>
-            </a:r>
-            <a:r>
-              <a:rPr lang="en-US" sz="2000" dirty="0" smtClean="0"/>
-              <a:t>dumb</a:t>
+              <a:t>( $_ ) ) { }  #dumb</a:t>
             </a:r>
           </a:p>
           <a:p>
@@ -15329,26 +15048,14 @@
             </a:r>
             <a:r>
               <a:rPr lang="en-US" sz="2000" dirty="0" smtClean="0"/>
-              <a:t> my $name ( @names ) </a:t>
-            </a:r>
-            <a:r>
-              <a:rPr lang="en-US" sz="2000" dirty="0" smtClean="0"/>
-              <a:t>{</a:t>
-            </a:r>
-            <a:br>
-              <a:rPr lang="en-US" sz="2000" dirty="0" smtClean="0"/>
-            </a:br>
-            <a:r>
-              <a:rPr lang="en-US" sz="2000" dirty="0" smtClean="0"/>
-              <a:t>    </a:t>
-            </a:r>
-            <a:r>
-              <a:rPr lang="en-US" sz="2000" dirty="0" smtClean="0"/>
-              <a:t>given( $name ) {</a:t>
-            </a:r>
-            <a:r>
-              <a:rPr lang="en-US" sz="2000" dirty="0" smtClean="0"/>
-              <a:t> ... }</a:t>
+              <a:t> my $name ( @names ) {</a:t>
+            </a:r>
+            <a:br>
+              <a:rPr lang="en-US" sz="2000" dirty="0" smtClean="0"/>
+            </a:br>
+            <a:r>
+              <a:rPr lang="en-US" sz="2000" dirty="0" smtClean="0"/>
+              <a:t>    given( $name ) { ... }</a:t>
             </a:r>
             <a:br>
               <a:rPr lang="en-US" sz="2000" dirty="0" smtClean="0"/>
@@ -15366,11 +15073,7 @@
             </a:r>
             <a:r>
               <a:rPr lang="en-US" sz="2000" dirty="0" smtClean="0"/>
-              <a:t> my $name ( @names ) </a:t>
-            </a:r>
-            <a:r>
-              <a:rPr lang="en-US" sz="2000" dirty="0" smtClean="0"/>
-              <a:t>{</a:t>
+              <a:t> my $name ( @names ) {</a:t>
             </a:r>
             <a:br>
               <a:rPr lang="en-US" sz="2000" dirty="0" smtClean="0"/>
@@ -15411,7 +15114,7 @@
   <p:timing>
     <p:tnLst>
       <p:par>
-        <p:cTn id="1" dur="indefinite" restart="never" nodeType="tmRoot"/>
+        <p:cTn xmlns:p14="http://schemas.microsoft.com/office/powerpoint/2010/main" id="1" dur="indefinite" restart="never" nodeType="tmRoot"/>
       </p:par>
     </p:tnLst>
   </p:timing>
@@ -15493,11 +15196,7 @@
             </a:pPr>
             <a:r>
               <a:rPr lang="en-US" sz="2400" dirty="0" smtClean="0"/>
-              <a:t>The system </a:t>
-            </a:r>
-            <a:r>
-              <a:rPr lang="en-US" sz="2400" dirty="0" smtClean="0"/>
-              <a:t>Function (return </a:t>
+              <a:t>The system Function (return </a:t>
             </a:r>
             <a:r>
               <a:rPr lang="en-US" sz="2400" b="1" dirty="0" smtClean="0">
@@ -15511,7 +15210,6 @@
               <a:rPr lang="en-US" sz="2400" dirty="0" smtClean="0"/>
               <a:t> if success)</a:t>
             </a:r>
-            <a:endParaRPr lang="en-US" sz="2400" dirty="0" smtClean="0"/>
           </a:p>
           <a:p>
             <a:pPr lvl="1"/>
@@ -15532,122 +15230,98 @@
             <a:pPr lvl="1"/>
             <a:r>
               <a:rPr lang="en-US" sz="2000" dirty="0" smtClean="0"/>
-              <a:t>system </a:t>
-            </a:r>
-            <a:r>
-              <a:rPr lang="en-US" sz="2000" dirty="0" smtClean="0"/>
-              <a:t>"date</a:t>
+              <a:t>system "date";</a:t>
+            </a:r>
+          </a:p>
+          <a:p>
+            <a:pPr lvl="1"/>
+            <a:r>
+              <a:rPr lang="en-US" sz="2000" dirty="0" smtClean="0"/>
+              <a:t>system '</a:t>
+            </a:r>
+            <a:r>
+              <a:rPr lang="en-US" sz="2000" dirty="0" err="1" smtClean="0"/>
+              <a:t>ls</a:t>
+            </a:r>
+            <a:r>
+              <a:rPr lang="en-US" sz="2000" dirty="0" smtClean="0"/>
+              <a:t> -l $HOME';</a:t>
+            </a:r>
+          </a:p>
+          <a:p>
+            <a:pPr lvl="1"/>
+            <a:r>
+              <a:rPr lang="en-US" sz="2000" dirty="0" smtClean="0"/>
+              <a:t>system "</a:t>
+            </a:r>
+            <a:r>
+              <a:rPr lang="en-US" sz="2000" dirty="0" err="1" smtClean="0"/>
+              <a:t>long_running_command</a:t>
+            </a:r>
+            <a:r>
+              <a:rPr lang="en-US" sz="2000" dirty="0" smtClean="0"/>
+              <a:t> with parameters &amp;";</a:t>
+            </a:r>
+          </a:p>
+          <a:p>
+            <a:pPr lvl="1"/>
+            <a:r>
+              <a:rPr lang="en-US" sz="2000" dirty="0" smtClean="0"/>
+              <a:t>system 'for </a:t>
+            </a:r>
+            <a:r>
+              <a:rPr lang="en-US" sz="2000" dirty="0" err="1" smtClean="0"/>
+              <a:t>i</a:t>
+            </a:r>
+            <a:r>
+              <a:rPr lang="en-US" sz="2000" dirty="0" smtClean="0"/>
+              <a:t> in *; do echo == $</a:t>
+            </a:r>
+            <a:r>
+              <a:rPr lang="en-US" sz="2000" dirty="0" err="1" smtClean="0"/>
+              <a:t>i</a:t>
+            </a:r>
+            <a:r>
+              <a:rPr lang="en-US" sz="2000" dirty="0" smtClean="0"/>
+              <a:t> ==; cat $</a:t>
+            </a:r>
+            <a:r>
+              <a:rPr lang="en-US" sz="2000" dirty="0" err="1" smtClean="0"/>
+              <a:t>i</a:t>
+            </a:r>
+            <a:r>
+              <a:rPr lang="en-US" sz="2000" dirty="0" smtClean="0"/>
+              <a:t>; done';</a:t>
+            </a:r>
+          </a:p>
+          <a:p>
+            <a:pPr lvl="1"/>
+            <a:r>
+              <a:rPr lang="en-US" sz="2000" dirty="0" smtClean="0"/>
+              <a:t>my $</a:t>
+            </a:r>
+            <a:r>
+              <a:rPr lang="en-US" sz="2000" dirty="0" err="1" smtClean="0"/>
+              <a:t>tarfile</a:t>
+            </a:r>
+            <a:r>
+              <a:rPr lang="en-US" sz="2000" dirty="0" smtClean="0"/>
+              <a:t> = "something*</a:t>
+            </a:r>
+            <a:r>
+              <a:rPr lang="en-US" sz="2000" dirty="0" err="1" smtClean="0"/>
+              <a:t>wicked.tar</a:t>
             </a:r>
             <a:r>
               <a:rPr lang="en-US" sz="2000" dirty="0" smtClean="0"/>
               <a:t>";</a:t>
             </a:r>
-          </a:p>
-          <a:p>
-            <a:pPr lvl="1"/>
-            <a:r>
-              <a:rPr lang="en-US" sz="2000" dirty="0" smtClean="0"/>
-              <a:t>system '</a:t>
-            </a:r>
-            <a:r>
-              <a:rPr lang="en-US" sz="2000" dirty="0" err="1" smtClean="0"/>
-              <a:t>ls</a:t>
-            </a:r>
-            <a:r>
-              <a:rPr lang="en-US" sz="2000" dirty="0" smtClean="0"/>
-              <a:t> -l $HOME</a:t>
-            </a:r>
-            <a:r>
-              <a:rPr lang="en-US" sz="2000" dirty="0" smtClean="0"/>
-              <a:t>';</a:t>
-            </a:r>
-          </a:p>
-          <a:p>
-            <a:pPr lvl="1"/>
-            <a:r>
-              <a:rPr lang="en-US" sz="2000" dirty="0" smtClean="0"/>
-              <a:t>system "</a:t>
-            </a:r>
-            <a:r>
-              <a:rPr lang="en-US" sz="2000" dirty="0" err="1" smtClean="0"/>
-              <a:t>long_running_command</a:t>
-            </a:r>
-            <a:r>
-              <a:rPr lang="en-US" sz="2000" dirty="0" smtClean="0"/>
-              <a:t> with parameters </a:t>
-            </a:r>
-            <a:r>
-              <a:rPr lang="en-US" sz="2000" dirty="0" smtClean="0"/>
-              <a:t>&amp;";</a:t>
-            </a:r>
-          </a:p>
-          <a:p>
-            <a:pPr lvl="1"/>
-            <a:r>
-              <a:rPr lang="en-US" sz="2000" dirty="0" smtClean="0"/>
-              <a:t>system 'for </a:t>
-            </a:r>
-            <a:r>
-              <a:rPr lang="en-US" sz="2000" dirty="0" err="1" smtClean="0"/>
-              <a:t>i</a:t>
-            </a:r>
-            <a:r>
-              <a:rPr lang="en-US" sz="2000" dirty="0" smtClean="0"/>
-              <a:t> in *; do echo == $</a:t>
-            </a:r>
-            <a:r>
-              <a:rPr lang="en-US" sz="2000" dirty="0" err="1" smtClean="0"/>
-              <a:t>i</a:t>
-            </a:r>
-            <a:r>
-              <a:rPr lang="en-US" sz="2000" dirty="0" smtClean="0"/>
-              <a:t> ==; cat $</a:t>
-            </a:r>
-            <a:r>
-              <a:rPr lang="en-US" sz="2000" dirty="0" err="1" smtClean="0"/>
-              <a:t>i</a:t>
-            </a:r>
-            <a:r>
-              <a:rPr lang="en-US" sz="2000" dirty="0" smtClean="0"/>
-              <a:t>; done</a:t>
-            </a:r>
-            <a:r>
-              <a:rPr lang="en-US" sz="2000" dirty="0" smtClean="0"/>
-              <a:t>';</a:t>
-            </a:r>
-          </a:p>
-          <a:p>
-            <a:pPr lvl="1"/>
-            <a:r>
-              <a:rPr lang="en-US" sz="2000" dirty="0" smtClean="0"/>
-              <a:t>my $</a:t>
-            </a:r>
-            <a:r>
-              <a:rPr lang="en-US" sz="2000" dirty="0" err="1" smtClean="0"/>
-              <a:t>tarfile</a:t>
-            </a:r>
-            <a:r>
-              <a:rPr lang="en-US" sz="2000" dirty="0" smtClean="0"/>
-              <a:t> = "something*</a:t>
-            </a:r>
-            <a:r>
-              <a:rPr lang="en-US" sz="2000" dirty="0" err="1" smtClean="0"/>
-              <a:t>wicked.tar</a:t>
-            </a:r>
-            <a:r>
-              <a:rPr lang="en-US" sz="2000" dirty="0" smtClean="0"/>
-              <a:t>";</a:t>
-            </a:r>
-            <a:br>
-              <a:rPr lang="en-US" sz="2000" dirty="0" smtClean="0"/>
-            </a:br>
-            <a:r>
-              <a:rPr lang="en-US" sz="2000" dirty="0" smtClean="0"/>
-              <a:t>my </a:t>
-            </a:r>
-            <a:r>
-              <a:rPr lang="en-US" sz="2000" dirty="0" smtClean="0"/>
-              <a:t>@</a:t>
+            <a:br>
+              <a:rPr lang="en-US" sz="2000" dirty="0" smtClean="0"/>
+            </a:br>
+            <a:r>
+              <a:rPr lang="en-US" sz="2000" dirty="0" smtClean="0"/>
+              <a:t>my @</a:t>
             </a:r>
             <a:r>
               <a:rPr lang="en-US" sz="2000" dirty="0" err="1" smtClean="0"/>
@@ -15679,22 +15353,14 @@
             </a:r>
             <a:r>
               <a:rPr lang="en-US" sz="2000" dirty="0" smtClean="0"/>
-              <a:t>&gt; betty </a:t>
-            </a:r>
-            <a:r>
-              <a:rPr lang="en-US" sz="2000" dirty="0" smtClean="0"/>
-              <a:t>);</a:t>
-            </a:r>
-            <a:br>
-              <a:rPr lang="en-US" sz="2000" dirty="0" smtClean="0"/>
-            </a:br>
-            <a:r>
-              <a:rPr lang="en-US" sz="2000" dirty="0" smtClean="0"/>
-              <a:t>system </a:t>
-            </a:r>
-            <a:r>
-              <a:rPr lang="en-US" sz="2000" dirty="0" smtClean="0"/>
-              <a:t>"tar", "</a:t>
+              <a:t>&gt; betty );</a:t>
+            </a:r>
+            <a:br>
+              <a:rPr lang="en-US" sz="2000" dirty="0" smtClean="0"/>
+            </a:br>
+            <a:r>
+              <a:rPr lang="en-US" sz="2000" dirty="0" smtClean="0"/>
+              <a:t>system "tar", "</a:t>
             </a:r>
             <a:r>
               <a:rPr lang="en-US" sz="2000" dirty="0" err="1" smtClean="0"/>
@@ -15757,15 +15423,7 @@
                   <a:srgbClr val="FF0000"/>
                 </a:solidFill>
               </a:rPr>
-              <a:t>Oops</a:t>
-            </a:r>
-            <a:r>
-              <a:rPr lang="en-US" sz="2000" b="1" dirty="0" smtClean="0">
-                <a:solidFill>
-                  <a:srgbClr val="FF0000"/>
-                </a:solidFill>
-              </a:rPr>
-              <a:t>!</a:t>
+              <a:t>Oops!</a:t>
             </a:r>
           </a:p>
           <a:p>
@@ -15830,7 +15488,7 @@
   <p:timing>
     <p:tnLst>
       <p:par>
-        <p:cTn id="1" dur="indefinite" restart="never" nodeType="tmRoot"/>
+        <p:cTn xmlns:p14="http://schemas.microsoft.com/office/powerpoint/2010/main" id="1" dur="indefinite" restart="never" nodeType="tmRoot"/>
       </p:par>
     </p:tnLst>
   </p:timing>
@@ -15922,17 +15580,12 @@
               <a:rPr lang="en-US" sz="2400" dirty="0" smtClean="0"/>
               <a:t> program)</a:t>
             </a:r>
-            <a:endParaRPr lang="en-US" sz="2400" dirty="0" smtClean="0"/>
-          </a:p>
-          <a:p>
-            <a:pPr lvl="1"/>
-            <a:r>
-              <a:rPr lang="en-US" sz="2000" dirty="0" smtClean="0"/>
-              <a:t>exec "bedrock", "-o", "args1", @ARGV</a:t>
-            </a:r>
-            <a:r>
-              <a:rPr lang="en-US" sz="2000" dirty="0" smtClean="0"/>
-              <a:t>;</a:t>
+          </a:p>
+          <a:p>
+            <a:pPr lvl="1"/>
+            <a:r>
+              <a:rPr lang="en-US" sz="2000" dirty="0" smtClean="0"/>
+              <a:t>exec "bedrock", "-o", "args1", @ARGV;</a:t>
             </a:r>
           </a:p>
           <a:p>
@@ -15944,7 +15597,6 @@
               <a:rPr lang="en-US" sz="2400" dirty="0" smtClean="0"/>
               <a:t>ENV variable</a:t>
             </a:r>
-            <a:endParaRPr lang="en-US" sz="2400" dirty="0" smtClean="0"/>
           </a:p>
           <a:p>
             <a:pPr lvl="1"/>
@@ -15958,37 +15610,21 @@
             </a:r>
             <a:r>
               <a:rPr lang="en-US" sz="2000" dirty="0" smtClean="0"/>
-              <a:t>/bin:$ENV{'PATH</a:t>
-            </a:r>
-            <a:r>
-              <a:rPr lang="en-US" sz="2000" dirty="0" smtClean="0"/>
-              <a:t>'}";</a:t>
-            </a:r>
-            <a:br>
-              <a:rPr lang="en-US" sz="2000" dirty="0" smtClean="0"/>
-            </a:br>
-            <a:r>
-              <a:rPr lang="en-US" sz="2000" dirty="0" smtClean="0"/>
-              <a:t>delete </a:t>
-            </a:r>
-            <a:r>
-              <a:rPr lang="en-US" sz="2000" dirty="0" smtClean="0"/>
-              <a:t>$ENV{'IFS</a:t>
-            </a:r>
-            <a:r>
-              <a:rPr lang="en-US" sz="2000" dirty="0" smtClean="0"/>
-              <a:t>'};</a:t>
-            </a:r>
-            <a:br>
-              <a:rPr lang="en-US" sz="2000" dirty="0" smtClean="0"/>
-            </a:br>
-            <a:r>
-              <a:rPr lang="en-US" sz="2000" dirty="0" smtClean="0"/>
-              <a:t>my </a:t>
-            </a:r>
-            <a:r>
-              <a:rPr lang="en-US" sz="2000" dirty="0" smtClean="0"/>
-              <a:t>$</a:t>
+              <a:t>/bin:$ENV{'PATH'}";</a:t>
+            </a:r>
+            <a:br>
+              <a:rPr lang="en-US" sz="2000" dirty="0" smtClean="0"/>
+            </a:br>
+            <a:r>
+              <a:rPr lang="en-US" sz="2000" dirty="0" smtClean="0"/>
+              <a:t>delete $ENV{'IFS'};</a:t>
+            </a:r>
+            <a:br>
+              <a:rPr lang="en-US" sz="2000" dirty="0" smtClean="0"/>
+            </a:br>
+            <a:r>
+              <a:rPr lang="en-US" sz="2000" dirty="0" smtClean="0"/>
+              <a:t>my $</a:t>
             </a:r>
             <a:r>
               <a:rPr lang="en-US" sz="2000" dirty="0" err="1" smtClean="0"/>
@@ -15996,11 +15632,7 @@
             </a:r>
             <a:r>
               <a:rPr lang="en-US" sz="2000" dirty="0" smtClean="0"/>
-              <a:t> = system "make</a:t>
-            </a:r>
-            <a:r>
-              <a:rPr lang="en-US" sz="2000" dirty="0" smtClean="0"/>
-              <a:t>";</a:t>
+              <a:t> = system "make";</a:t>
             </a:r>
           </a:p>
           <a:p>
@@ -16025,11 +15657,7 @@
             <a:pPr lvl="1"/>
             <a:r>
               <a:rPr lang="en-US" sz="2000" dirty="0" smtClean="0"/>
-              <a:t>my $now = `date`; # grab the output of </a:t>
-            </a:r>
-            <a:r>
-              <a:rPr lang="en-US" sz="2000" dirty="0" smtClean="0"/>
-              <a:t>date</a:t>
+              <a:t>my $now = `date`; # grab the output of date</a:t>
             </a:r>
           </a:p>
           <a:p>
@@ -16052,11 +15680,7 @@
             </a:r>
             <a:r>
               <a:rPr lang="en-US" sz="2000" dirty="0" smtClean="0"/>
-              <a:t> -enable 2&gt;&amp;1</a:t>
-            </a:r>
-            <a:r>
-              <a:rPr lang="en-US" sz="2000" dirty="0" smtClean="0"/>
-              <a:t>`;</a:t>
+              <a:t> -enable 2&gt;&amp;1`;</a:t>
             </a:r>
           </a:p>
           <a:p>
@@ -16073,7 +15697,6 @@
               <a:rPr lang="en-US" sz="2000" dirty="0" smtClean="0"/>
               <a:t> = `who`;</a:t>
             </a:r>
-            <a:endParaRPr lang="en-US" sz="2000" dirty="0" smtClean="0"/>
           </a:p>
           <a:p>
             <a:pPr marL="342900" lvl="1" indent="-342900">
@@ -16100,7 +15723,7 @@
   <p:timing>
     <p:tnLst>
       <p:par>
-        <p:cTn id="1" dur="indefinite" restart="never" nodeType="tmRoot"/>
+        <p:cTn xmlns:p14="http://schemas.microsoft.com/office/powerpoint/2010/main" id="1" dur="indefinite" restart="never" nodeType="tmRoot"/>
       </p:par>
     </p:tnLst>
   </p:timing>
@@ -16194,24 +15817,15 @@
             <a:pPr lvl="1"/>
             <a:r>
               <a:rPr lang="en-US" sz="2000" dirty="0" smtClean="0"/>
-              <a:t>open DATE, "date|" or die "cannot pipe from date: </a:t>
-            </a:r>
-            <a:r>
-              <a:rPr lang="en-US" sz="2000" dirty="0" smtClean="0"/>
-              <a:t>$!";</a:t>
-            </a:r>
-            <a:br>
-              <a:rPr lang="en-US" sz="2000" dirty="0" smtClean="0"/>
-            </a:br>
-            <a:r>
-              <a:rPr lang="en-US" sz="2000" dirty="0" smtClean="0"/>
-              <a:t>my </a:t>
-            </a:r>
-            <a:r>
-              <a:rPr lang="en-US" sz="2000" dirty="0" smtClean="0"/>
-              <a:t>$now = &lt;DATE&gt;;</a:t>
-            </a:r>
-            <a:endParaRPr lang="en-US" sz="2000" dirty="0" smtClean="0"/>
+              <a:t>open DATE, "date|" or die "cannot pipe from date: $!";</a:t>
+            </a:r>
+            <a:br>
+              <a:rPr lang="en-US" sz="2000" dirty="0" smtClean="0"/>
+            </a:br>
+            <a:r>
+              <a:rPr lang="en-US" sz="2000" dirty="0" smtClean="0"/>
+              <a:t>my $now = &lt;DATE&gt;;</a:t>
+            </a:r>
           </a:p>
           <a:p>
             <a:pPr lvl="1"/>
@@ -16225,26 +15839,14 @@
             </a:r>
             <a:r>
               <a:rPr lang="en-US" sz="2000" dirty="0" smtClean="0"/>
-              <a:t>" or die "cannot pipe to mail: </a:t>
-            </a:r>
-            <a:r>
-              <a:rPr lang="en-US" sz="2000" dirty="0" smtClean="0"/>
-              <a:t>$!";</a:t>
-            </a:r>
-            <a:br>
-              <a:rPr lang="en-US" sz="2000" dirty="0" smtClean="0"/>
-            </a:br>
-            <a:r>
-              <a:rPr lang="en-US" sz="2000" dirty="0" smtClean="0"/>
-              <a:t>print </a:t>
-            </a:r>
-            <a:r>
-              <a:rPr lang="en-US" sz="2000" dirty="0" smtClean="0"/>
-              <a:t>MAIL "The time is now $now"; # presume $now ends in </a:t>
-            </a:r>
-            <a:r>
-              <a:rPr lang="en-US" sz="2000" dirty="0" smtClean="0"/>
-              <a:t>newline</a:t>
+              <a:t>" or die "cannot pipe to mail: $!";</a:t>
+            </a:r>
+            <a:br>
+              <a:rPr lang="en-US" sz="2000" dirty="0" smtClean="0"/>
+            </a:br>
+            <a:r>
+              <a:rPr lang="en-US" sz="2000" dirty="0" smtClean="0"/>
+              <a:t>print MAIL "The time is now $now"; # presume $now ends in newline</a:t>
             </a:r>
           </a:p>
           <a:p>
@@ -16259,26 +15861,14 @@
             </a:r>
             <a:r>
               <a:rPr lang="en-US" sz="2000" dirty="0" smtClean="0"/>
-              <a:t> +90 -size +1000 -print|" or die "fork: </a:t>
-            </a:r>
-            <a:r>
-              <a:rPr lang="en-US" sz="2000" dirty="0" smtClean="0"/>
-              <a:t>$!";</a:t>
-            </a:r>
-            <a:br>
-              <a:rPr lang="en-US" sz="2000" dirty="0" smtClean="0"/>
-            </a:br>
-            <a:r>
-              <a:rPr lang="en-US" sz="2000" dirty="0" smtClean="0"/>
-              <a:t>while </a:t>
-            </a:r>
-            <a:r>
-              <a:rPr lang="en-US" sz="2000" dirty="0" smtClean="0"/>
-              <a:t>(&lt;F&gt;) </a:t>
-            </a:r>
-            <a:r>
-              <a:rPr lang="en-US" sz="2000" dirty="0" smtClean="0"/>
-              <a:t>{</a:t>
+              <a:t> +90 -size +1000 -print|" or die "fork: $!";</a:t>
+            </a:r>
+            <a:br>
+              <a:rPr lang="en-US" sz="2000" dirty="0" smtClean="0"/>
+            </a:br>
+            <a:r>
+              <a:rPr lang="en-US" sz="2000" dirty="0" smtClean="0"/>
+              <a:t>while (&lt;F&gt;) {</a:t>
             </a:r>
             <a:br>
               <a:rPr lang="en-US" sz="2000" dirty="0" smtClean="0"/>
@@ -16311,30 +15901,14 @@
             <a:pPr lvl="1"/>
             <a:r>
               <a:rPr lang="en-US" sz="2000" dirty="0" smtClean="0"/>
-              <a:t>system "date</a:t>
-            </a:r>
-            <a:r>
-              <a:rPr lang="en-US" sz="2000" dirty="0" smtClean="0"/>
-              <a:t>"; </a:t>
-            </a:r>
-            <a:r>
-              <a:rPr lang="en-US" sz="2000" dirty="0" smtClean="0"/>
-              <a:t> </a:t>
-            </a:r>
-            <a:r>
-              <a:rPr lang="en-US" sz="2000" dirty="0" smtClean="0"/>
-              <a:t>=&gt;</a:t>
-            </a:r>
-            <a:br>
-              <a:rPr lang="en-US" sz="2000" dirty="0" smtClean="0"/>
-            </a:br>
-            <a:r>
-              <a:rPr lang="en-US" sz="2000" dirty="0" smtClean="0"/>
-              <a:t>defined(my </a:t>
-            </a:r>
-            <a:r>
-              <a:rPr lang="en-US" sz="2000" dirty="0" smtClean="0"/>
-              <a:t>$</a:t>
+              <a:t>system "date";  =&gt;</a:t>
+            </a:r>
+            <a:br>
+              <a:rPr lang="en-US" sz="2000" dirty="0" smtClean="0"/>
+            </a:br>
+            <a:r>
+              <a:rPr lang="en-US" sz="2000" dirty="0" smtClean="0"/>
+              <a:t>defined(my $</a:t>
             </a:r>
             <a:r>
               <a:rPr lang="en-US" sz="2000" dirty="0" err="1" smtClean="0"/>
@@ -16342,18 +15916,57 @@
             </a:r>
             <a:r>
               <a:rPr lang="en-US" sz="2000" dirty="0" smtClean="0"/>
-              <a:t> = fork) or die "Cannot fork: </a:t>
-            </a:r>
-            <a:r>
-              <a:rPr lang="en-US" sz="2000" dirty="0" smtClean="0"/>
-              <a:t>$!";</a:t>
-            </a:r>
-            <a:br>
-              <a:rPr lang="en-US" sz="2000" dirty="0" smtClean="0"/>
-            </a:br>
-            <a:r>
-              <a:rPr lang="en-US" sz="2000" dirty="0" smtClean="0"/>
-              <a:t>unless </a:t>
+              <a:t> = fork) or die "Cannot fork: $!";</a:t>
+            </a:r>
+            <a:br>
+              <a:rPr lang="en-US" sz="2000" dirty="0" smtClean="0"/>
+            </a:br>
+            <a:r>
+              <a:rPr lang="en-US" sz="2000" dirty="0" smtClean="0"/>
+              <a:t>unless ($</a:t>
+            </a:r>
+            <a:r>
+              <a:rPr lang="en-US" sz="2000" dirty="0" err="1" smtClean="0"/>
+              <a:t>pid</a:t>
+            </a:r>
+            <a:r>
+              <a:rPr lang="en-US" sz="2000" dirty="0" smtClean="0"/>
+              <a:t>) {</a:t>
+            </a:r>
+            <a:br>
+              <a:rPr lang="en-US" sz="2000" dirty="0" smtClean="0"/>
+            </a:br>
+            <a:r>
+              <a:rPr lang="en-US" sz="2000" dirty="0" smtClean="0"/>
+              <a:t>       # Child process is here</a:t>
+            </a:r>
+            <a:br>
+              <a:rPr lang="en-US" sz="2000" dirty="0" smtClean="0"/>
+            </a:br>
+            <a:r>
+              <a:rPr lang="en-US" sz="2000" dirty="0" smtClean="0"/>
+              <a:t>       exec "date";</a:t>
+            </a:r>
+            <a:br>
+              <a:rPr lang="en-US" sz="2000" dirty="0" smtClean="0"/>
+            </a:br>
+            <a:r>
+              <a:rPr lang="en-US" sz="2000" dirty="0" smtClean="0"/>
+              <a:t>       die "cannot exec date: $!";</a:t>
+            </a:r>
+            <a:br>
+              <a:rPr lang="en-US" sz="2000" dirty="0" smtClean="0"/>
+            </a:br>
+            <a:r>
+              <a:rPr lang="en-US" sz="2000" dirty="0" smtClean="0"/>
+              <a:t>}</a:t>
+            </a:r>
+            <a:br>
+              <a:rPr lang="en-US" sz="2000" dirty="0" smtClean="0"/>
+            </a:br>
+            <a:r>
+              <a:rPr lang="en-US" sz="2000" dirty="0" err="1" smtClean="0"/>
+              <a:t>waitpid</a:t>
             </a:r>
             <a:r>
               <a:rPr lang="en-US" sz="2000" dirty="0" smtClean="0"/>
@@ -16365,98 +15978,7 @@
             </a:r>
             <a:r>
               <a:rPr lang="en-US" sz="2000" dirty="0" smtClean="0"/>
-              <a:t>) </a:t>
-            </a:r>
-            <a:r>
-              <a:rPr lang="en-US" sz="2000" dirty="0" smtClean="0"/>
-              <a:t>{</a:t>
-            </a:r>
-            <a:br>
-              <a:rPr lang="en-US" sz="2000" dirty="0" smtClean="0"/>
-            </a:br>
-            <a:r>
-              <a:rPr lang="en-US" sz="2000" dirty="0" smtClean="0"/>
-              <a:t> </a:t>
-            </a:r>
-            <a:r>
-              <a:rPr lang="en-US" sz="2000" dirty="0" smtClean="0"/>
-              <a:t>      # </a:t>
-            </a:r>
-            <a:r>
-              <a:rPr lang="en-US" sz="2000" dirty="0" smtClean="0"/>
-              <a:t>Child process is </a:t>
-            </a:r>
-            <a:r>
-              <a:rPr lang="en-US" sz="2000" dirty="0" smtClean="0"/>
-              <a:t>here</a:t>
-            </a:r>
-            <a:br>
-              <a:rPr lang="en-US" sz="2000" dirty="0" smtClean="0"/>
-            </a:br>
-            <a:r>
-              <a:rPr lang="en-US" sz="2000" dirty="0" smtClean="0"/>
-              <a:t> </a:t>
-            </a:r>
-            <a:r>
-              <a:rPr lang="en-US" sz="2000" dirty="0" smtClean="0"/>
-              <a:t>      exec </a:t>
-            </a:r>
-            <a:r>
-              <a:rPr lang="en-US" sz="2000" dirty="0" smtClean="0"/>
-              <a:t>"date</a:t>
-            </a:r>
-            <a:r>
-              <a:rPr lang="en-US" sz="2000" dirty="0" smtClean="0"/>
-              <a:t>";</a:t>
-            </a:r>
-            <a:br>
-              <a:rPr lang="en-US" sz="2000" dirty="0" smtClean="0"/>
-            </a:br>
-            <a:r>
-              <a:rPr lang="en-US" sz="2000" dirty="0" smtClean="0"/>
-              <a:t>       </a:t>
-            </a:r>
-            <a:r>
-              <a:rPr lang="en-US" sz="2000" dirty="0" smtClean="0"/>
-              <a:t>die "cannot exec date: </a:t>
-            </a:r>
-            <a:r>
-              <a:rPr lang="en-US" sz="2000" dirty="0" smtClean="0"/>
-              <a:t>$!";</a:t>
-            </a:r>
-            <a:br>
-              <a:rPr lang="en-US" sz="2000" dirty="0" smtClean="0"/>
-            </a:br>
-            <a:r>
-              <a:rPr lang="en-US" sz="2000" dirty="0" smtClean="0"/>
-              <a:t>}</a:t>
-            </a:r>
-            <a:br>
-              <a:rPr lang="en-US" sz="2000" dirty="0" smtClean="0"/>
-            </a:br>
-            <a:r>
-              <a:rPr lang="en-US" sz="2000" dirty="0" err="1" smtClean="0"/>
-              <a:t>waitpid</a:t>
-            </a:r>
-            <a:r>
-              <a:rPr lang="en-US" sz="2000" dirty="0" smtClean="0"/>
-              <a:t>($</a:t>
-            </a:r>
-            <a:r>
-              <a:rPr lang="en-US" sz="2000" dirty="0" err="1" smtClean="0"/>
-              <a:t>pid</a:t>
-            </a:r>
-            <a:r>
-              <a:rPr lang="en-US" sz="2000" dirty="0" smtClean="0"/>
-              <a:t>, 0</a:t>
-            </a:r>
-            <a:r>
-              <a:rPr lang="en-US" sz="2000" dirty="0" smtClean="0"/>
-              <a:t>);  # Parent </a:t>
-            </a:r>
-            <a:r>
-              <a:rPr lang="en-US" sz="2000" dirty="0" smtClean="0"/>
-              <a:t>process is here</a:t>
+              <a:t>, 0);  # Parent process is here</a:t>
             </a:r>
             <a:endParaRPr lang="en-US" sz="2000" b="1" dirty="0" smtClean="0">
               <a:solidFill>
@@ -16474,7 +15996,7 @@
   <p:timing>
     <p:tnLst>
       <p:par>
-        <p:cTn id="1" dur="indefinite" restart="never" nodeType="tmRoot"/>
+        <p:cTn xmlns:p14="http://schemas.microsoft.com/office/powerpoint/2010/main" id="1" dur="indefinite" restart="never" nodeType="tmRoot"/>
       </p:par>
     </p:tnLst>
   </p:timing>
@@ -16631,7 +16153,7 @@
   <p:timing>
     <p:tnLst>
       <p:par>
-        <p:cTn id="1" dur="indefinite" restart="never" nodeType="tmRoot"/>
+        <p:cTn xmlns:p14="http://schemas.microsoft.com/office/powerpoint/2010/main" id="1" dur="indefinite" restart="never" nodeType="tmRoot"/>
       </p:par>
     </p:tnLst>
   </p:timing>
@@ -16725,24 +16247,15 @@
             <a:pPr lvl="1"/>
             <a:r>
               <a:rPr lang="en-US" sz="2000" dirty="0" smtClean="0"/>
-              <a:t>open DATE, "date|" or die "cannot pipe from date: </a:t>
-            </a:r>
-            <a:r>
-              <a:rPr lang="en-US" sz="2000" dirty="0" smtClean="0"/>
-              <a:t>$!";</a:t>
-            </a:r>
-            <a:br>
-              <a:rPr lang="en-US" sz="2000" dirty="0" smtClean="0"/>
-            </a:br>
-            <a:r>
-              <a:rPr lang="en-US" sz="2000" dirty="0" smtClean="0"/>
-              <a:t>my </a:t>
-            </a:r>
-            <a:r>
-              <a:rPr lang="en-US" sz="2000" dirty="0" smtClean="0"/>
-              <a:t>$now = &lt;DATE&gt;;</a:t>
-            </a:r>
-            <a:endParaRPr lang="en-US" sz="2000" dirty="0" smtClean="0"/>
+              <a:t>open DATE, "date|" or die "cannot pipe from date: $!";</a:t>
+            </a:r>
+            <a:br>
+              <a:rPr lang="en-US" sz="2000" dirty="0" smtClean="0"/>
+            </a:br>
+            <a:r>
+              <a:rPr lang="en-US" sz="2000" dirty="0" smtClean="0"/>
+              <a:t>my $now = &lt;DATE&gt;;</a:t>
+            </a:r>
           </a:p>
           <a:p>
             <a:pPr marL="342900" lvl="1" indent="-342900">
@@ -16758,19 +16271,7 @@
             <a:pPr lvl="1"/>
             <a:r>
               <a:rPr lang="en-US" sz="2000" dirty="0" smtClean="0"/>
-              <a:t>kill </a:t>
-            </a:r>
-            <a:r>
-              <a:rPr lang="en-US" sz="2000" dirty="0" smtClean="0"/>
-              <a:t>2, </a:t>
-            </a:r>
-            <a:r>
-              <a:rPr lang="en-US" sz="2000" dirty="0" smtClean="0"/>
-              <a:t>4201 or die "Cannot signal 4201 with SIGINT: </a:t>
-            </a:r>
-            <a:r>
-              <a:rPr lang="en-US" sz="2000" dirty="0" smtClean="0"/>
-              <a:t>$!";</a:t>
+              <a:t>kill 2, 4201 or die "Cannot signal 4201 with SIGINT: $!";</a:t>
             </a:r>
           </a:p>
           <a:p>
@@ -16823,7 +16324,7 @@
   <p:timing>
     <p:tnLst>
       <p:par>
-        <p:cTn id="1" dur="indefinite" restart="never" nodeType="tmRoot"/>
+        <p:cTn xmlns:p14="http://schemas.microsoft.com/office/powerpoint/2010/main" id="1" dur="indefinite" restart="never" nodeType="tmRoot"/>
       </p:par>
     </p:tnLst>
   </p:timing>
@@ -17043,7 +16544,7 @@
   <p:timing>
     <p:tnLst>
       <p:par>
-        <p:cTn id="1" dur="indefinite" restart="never" nodeType="tmRoot"/>
+        <p:cTn xmlns:p14="http://schemas.microsoft.com/office/powerpoint/2010/main" id="1" dur="indefinite" restart="never" nodeType="tmRoot"/>
       </p:par>
     </p:tnLst>
   </p:timing>
@@ -17153,11 +16654,7 @@
             </a:r>
             <a:r>
               <a:rPr lang="en-US" sz="2000" dirty="0" smtClean="0"/>
-              <a:t> { $_ % 2 } 1..1000</a:t>
-            </a:r>
-            <a:r>
-              <a:rPr lang="en-US" sz="2000" dirty="0" smtClean="0"/>
-              <a:t>;</a:t>
+              <a:t> { $_ % 2 } 1..1000;</a:t>
             </a:r>
           </a:p>
           <a:p>
@@ -17196,11 +16693,7 @@
             </a:r>
             <a:r>
               <a:rPr lang="en-US" sz="2000" dirty="0" smtClean="0"/>
-              <a:t> } &lt;FILE</a:t>
-            </a:r>
-            <a:r>
-              <a:rPr lang="en-US" sz="2000" dirty="0" smtClean="0"/>
-              <a:t>&gt;;</a:t>
+              <a:t> } &lt;FILE&gt;;</a:t>
             </a:r>
           </a:p>
           <a:p>
@@ -17239,11 +16732,7 @@
             </a:r>
             <a:r>
               <a:rPr lang="en-US" sz="2000" dirty="0" smtClean="0"/>
-              <a:t>, &lt;FILE</a:t>
-            </a:r>
-            <a:r>
-              <a:rPr lang="en-US" sz="2000" dirty="0" smtClean="0"/>
-              <a:t>&gt;;</a:t>
+              <a:t>, &lt;FILE&gt;;</a:t>
             </a:r>
           </a:p>
           <a:p>
@@ -17260,22 +16749,14 @@
             <a:pPr lvl="1"/>
             <a:r>
               <a:rPr lang="en-US" sz="2000" dirty="0" smtClean="0"/>
-              <a:t>my @data = (4.75, 1.5, 2, 1234, 6.9456, 12345678.9, 29.95</a:t>
-            </a:r>
-            <a:r>
-              <a:rPr lang="en-US" sz="2000" dirty="0" smtClean="0"/>
-              <a:t>);</a:t>
-            </a:r>
-            <a:br>
-              <a:rPr lang="en-US" sz="2000" dirty="0" smtClean="0"/>
-            </a:br>
-            <a:r>
-              <a:rPr lang="en-US" sz="2000" dirty="0" smtClean="0"/>
-              <a:t>my </a:t>
-            </a:r>
-            <a:r>
-              <a:rPr lang="en-US" sz="2000" dirty="0" smtClean="0"/>
-              <a:t>@</a:t>
+              <a:t>my @data = (4.75, 1.5, 2, 1234, 6.9456, 12345678.9, 29.95);</a:t>
+            </a:r>
+            <a:br>
+              <a:rPr lang="en-US" sz="2000" dirty="0" smtClean="0"/>
+            </a:br>
+            <a:r>
+              <a:rPr lang="en-US" sz="2000" dirty="0" smtClean="0"/>
+              <a:t>my @</a:t>
             </a:r>
             <a:r>
               <a:rPr lang="en-US" sz="2000" dirty="0" err="1" smtClean="0"/>
@@ -17291,26 +16772,14 @@
             </a:r>
             <a:r>
               <a:rPr lang="en-US" sz="2000" dirty="0" smtClean="0"/>
-              <a:t>($_) } @data</a:t>
-            </a:r>
-            <a:r>
-              <a:rPr lang="en-US" sz="2000" dirty="0" smtClean="0"/>
-              <a:t>;</a:t>
-            </a:r>
-          </a:p>
-          <a:p>
-            <a:pPr lvl="1"/>
-            <a:r>
-              <a:rPr lang="en-US" sz="2000" dirty="0" smtClean="0"/>
-              <a:t>print "The money numbers are:\n</a:t>
-            </a:r>
-            <a:r>
-              <a:rPr lang="en-US" sz="2000" dirty="0" smtClean="0"/>
-              <a:t>", </a:t>
-            </a:r>
-            <a:r>
-              <a:rPr lang="en-US" sz="2000" dirty="0" smtClean="0"/>
-              <a:t>map { </a:t>
+              <a:t>($_) } @data;</a:t>
+            </a:r>
+          </a:p>
+          <a:p>
+            <a:pPr lvl="1"/>
+            <a:r>
+              <a:rPr lang="en-US" sz="2000" dirty="0" smtClean="0"/>
+              <a:t>print "The money numbers are:\n", map { </a:t>
             </a:r>
             <a:r>
               <a:rPr lang="en-US" sz="2000" dirty="0" err="1" smtClean="0"/>
@@ -17341,26 +16810,14 @@
             </a:pPr>
             <a:r>
               <a:rPr lang="en-US" sz="2400" dirty="0" smtClean="0"/>
-              <a:t>Unquoted </a:t>
-            </a:r>
-            <a:r>
-              <a:rPr lang="en-US" sz="2400" dirty="0" smtClean="0"/>
-              <a:t>Hash </a:t>
-            </a:r>
-            <a:r>
-              <a:rPr lang="en-US" sz="2400" dirty="0" smtClean="0"/>
-              <a:t>Keys</a:t>
-            </a:r>
-          </a:p>
-          <a:p>
-            <a:pPr lvl="1"/>
-            <a:r>
-              <a:rPr lang="en-US" sz="2000" dirty="0" smtClean="0"/>
-              <a:t>If the hash key is made up of nothing but letters, digits, and underscores without starting with a digit, you may be able to omit the quote </a:t>
-            </a:r>
-            <a:r>
-              <a:rPr lang="en-US" sz="2000" dirty="0" smtClean="0"/>
-              <a:t>marks</a:t>
+              <a:t>Unquoted Hash Keys</a:t>
+            </a:r>
+          </a:p>
+          <a:p>
+            <a:pPr lvl="1"/>
+            <a:r>
+              <a:rPr lang="en-US" sz="2000" dirty="0" smtClean="0"/>
+              <a:t>If the hash key is made up of nothing but letters, digits, and underscores without starting with a digit, you may be able to omit the quote marks</a:t>
             </a:r>
             <a:br>
               <a:rPr lang="en-US" sz="2000" dirty="0" smtClean="0"/>
@@ -17375,11 +16832,7 @@
             </a:r>
             <a:r>
               <a:rPr lang="en-US" sz="2000" dirty="0" smtClean="0"/>
-              <a:t>"} =&gt; </a:t>
-            </a:r>
-            <a:r>
-              <a:rPr lang="en-US" sz="2000" dirty="0" smtClean="0"/>
-              <a:t>$score{</a:t>
+              <a:t>"} =&gt; $score{</a:t>
             </a:r>
             <a:r>
               <a:rPr lang="en-US" sz="2000" dirty="0" err="1" smtClean="0"/>
@@ -17400,7 +16853,7 @@
   <p:timing>
     <p:tnLst>
       <p:par>
-        <p:cTn id="1" dur="indefinite" restart="never" nodeType="tmRoot"/>
+        <p:cTn xmlns:p14="http://schemas.microsoft.com/office/powerpoint/2010/main" id="1" dur="indefinite" restart="never" nodeType="tmRoot"/>
       </p:par>
     </p:tnLst>
   </p:timing>
@@ -17484,7 +16937,6 @@
               <a:rPr lang="en-US" sz="2400" dirty="0" smtClean="0"/>
               <a:t>Slices</a:t>
             </a:r>
-            <a:endParaRPr lang="en-US" sz="2400" dirty="0" smtClean="0"/>
           </a:p>
           <a:p>
             <a:pPr lvl="1"/>
@@ -17506,21 +16958,21 @@
             </a:r>
             <a:r>
               <a:rPr lang="en-US" sz="2000" dirty="0" smtClean="0"/>
-              <a:t>, $home, $work, $count) = split </a:t>
-            </a:r>
-            <a:r>
-              <a:rPr lang="en-US" sz="2000" dirty="0" smtClean="0"/>
-              <a:t>/:/;</a:t>
+              <a:t>, $home, $work, $count) = split /:/;</a:t>
             </a:r>
           </a:p>
           <a:p>
             <a:pPr lvl="1"/>
             <a:r>
               <a:rPr lang="de-DE" sz="2000" dirty="0" smtClean="0"/>
-              <a:t>my(undef, undef, undef, undef, undef, undef, undef</a:t>
-            </a:r>
-            <a:r>
-              <a:rPr lang="de-DE" sz="2000" dirty="0" smtClean="0"/>
+              <a:t>my(undef, undef, undef, undef, undef, undef, undef, </a:t>
+            </a:r>
+            <a:r>
+              <a:rPr lang="en-US" sz="2000" dirty="0" err="1" smtClean="0"/>
+              <a:t>undef</a:t>
+            </a:r>
+            <a:r>
+              <a:rPr lang="en-US" sz="2000" dirty="0" smtClean="0"/>
               <a:t>, </a:t>
             </a:r>
             <a:r>
@@ -17529,14 +16981,6 @@
             </a:r>
             <a:r>
               <a:rPr lang="en-US" sz="2000" dirty="0" smtClean="0"/>
-              <a:t>, </a:t>
-            </a:r>
-            <a:r>
-              <a:rPr lang="en-US" sz="2000" dirty="0" err="1" smtClean="0"/>
-              <a:t>undef</a:t>
-            </a:r>
-            <a:r>
-              <a:rPr lang="en-US" sz="2000" dirty="0" smtClean="0"/>
               <a:t>, $</a:t>
             </a:r>
             <a:r>
@@ -17576,11 +17020,7 @@
             </a:r>
             <a:r>
               <a:rPr lang="en-US" sz="2000" dirty="0" smtClean="0"/>
-              <a:t>)[9</a:t>
-            </a:r>
-            <a:r>
-              <a:rPr lang="en-US" sz="2000" dirty="0" smtClean="0"/>
-              <a:t>];</a:t>
+              <a:t>)[9];</a:t>
             </a:r>
           </a:p>
           <a:p>
@@ -17595,11 +17035,7 @@
             </a:r>
             <a:r>
               <a:rPr lang="en-US" sz="2000" dirty="0" smtClean="0"/>
-              <a:t> = (split /:/)[1</a:t>
-            </a:r>
-            <a:r>
-              <a:rPr lang="en-US" sz="2000" dirty="0" smtClean="0"/>
-              <a:t>];</a:t>
+              <a:t> = (split /:/)[1];</a:t>
             </a:r>
           </a:p>
           <a:p>
@@ -17614,33 +17050,21 @@
             </a:r>
             <a:r>
               <a:rPr lang="en-US" sz="2000" dirty="0" smtClean="0"/>
-              <a:t>, $count) = (split /:/)[1, 5</a:t>
-            </a:r>
-            <a:r>
-              <a:rPr lang="en-US" sz="2000" dirty="0" smtClean="0"/>
-              <a:t>];</a:t>
-            </a:r>
-          </a:p>
-          <a:p>
-            <a:pPr lvl="1"/>
-            <a:r>
-              <a:rPr lang="en-US" sz="2000" dirty="0" smtClean="0"/>
-              <a:t>my($first, $last) = (sort @names)[0, −1</a:t>
-            </a:r>
-            <a:r>
-              <a:rPr lang="en-US" sz="2000" dirty="0" smtClean="0"/>
-              <a:t>];</a:t>
-            </a:r>
-          </a:p>
-          <a:p>
-            <a:pPr lvl="1"/>
-            <a:r>
-              <a:rPr lang="en-US" sz="2000" dirty="0" smtClean="0"/>
-              <a:t>my @numbers = ( @names )[ 9, 0, 2, 1, 0 </a:t>
-            </a:r>
-            <a:r>
-              <a:rPr lang="en-US" sz="2000" dirty="0" smtClean="0"/>
-              <a:t>];</a:t>
+              <a:t>, $count) = (split /:/)[1, 5];</a:t>
+            </a:r>
+          </a:p>
+          <a:p>
+            <a:pPr lvl="1"/>
+            <a:r>
+              <a:rPr lang="en-US" sz="2000" dirty="0" smtClean="0"/>
+              <a:t>my($first, $last) = (sort @names)[0, −1];</a:t>
+            </a:r>
+          </a:p>
+          <a:p>
+            <a:pPr lvl="1"/>
+            <a:r>
+              <a:rPr lang="en-US" sz="2000" dirty="0" smtClean="0"/>
+              <a:t>my @numbers = ( @names )[ 9, 0, 2, 1, 0 ];</a:t>
             </a:r>
           </a:p>
           <a:p>
@@ -17652,7 +17076,6 @@
               <a:rPr lang="en-US" sz="2400" dirty="0" smtClean="0"/>
               <a:t>Array slice </a:t>
             </a:r>
-            <a:endParaRPr lang="en-US" sz="2400" dirty="0" smtClean="0"/>
           </a:p>
           <a:p>
             <a:pPr lvl="1"/>
@@ -17672,17 +17095,12 @@
               <a:rPr lang="en-US" sz="2000" dirty="0" smtClean="0"/>
               <a:t>names[ 9, 0, 2, 1, 0 ];</a:t>
             </a:r>
-            <a:endParaRPr lang="en-US" sz="2000" dirty="0" smtClean="0"/>
-          </a:p>
-          <a:p>
-            <a:pPr lvl="1"/>
-            <a:r>
-              <a:rPr lang="en-US" sz="2000" dirty="0" smtClean="0"/>
-              <a:t>print "Bedrock @names[ 9, 0, 2, 1, 0 ]\n</a:t>
-            </a:r>
-            <a:r>
-              <a:rPr lang="en-US" sz="2000" dirty="0" smtClean="0"/>
-              <a:t>"; # interpolated in a string</a:t>
+          </a:p>
+          <a:p>
+            <a:pPr lvl="1"/>
+            <a:r>
+              <a:rPr lang="en-US" sz="2000" dirty="0" smtClean="0"/>
+              <a:t>print "Bedrock @names[ 9, 0, 2, 1, 0 ]\n"; # interpolated in a string</a:t>
             </a:r>
           </a:p>
           <a:p>
@@ -17718,7 +17136,7 @@
   <p:timing>
     <p:tnLst>
       <p:par>
-        <p:cTn id="1" dur="indefinite" restart="never" nodeType="tmRoot"/>
+        <p:cTn xmlns:p14="http://schemas.microsoft.com/office/powerpoint/2010/main" id="1" dur="indefinite" restart="never" nodeType="tmRoot"/>
       </p:par>
     </p:tnLst>
   </p:timing>
@@ -17802,21 +17220,12 @@
               <a:rPr lang="en-US" sz="2400" dirty="0" smtClean="0"/>
               <a:t>Hash slice </a:t>
             </a:r>
-            <a:endParaRPr lang="en-US" sz="2400" dirty="0" smtClean="0"/>
-          </a:p>
-          <a:p>
-            <a:pPr lvl="1"/>
-            <a:r>
-              <a:rPr lang="en-US" sz="2000" dirty="0" smtClean="0"/>
-              <a:t>my </a:t>
-            </a:r>
-            <a:r>
-              <a:rPr lang="en-US" sz="2000" dirty="0" smtClean="0"/>
-              <a:t>@scores </a:t>
-            </a:r>
-            <a:r>
-              <a:rPr lang="en-US" sz="2000" dirty="0" smtClean="0"/>
-              <a:t>= ($score{"barney"}, $score{"</a:t>
+          </a:p>
+          <a:p>
+            <a:pPr lvl="1"/>
+            <a:r>
+              <a:rPr lang="en-US" sz="2000" dirty="0" smtClean="0"/>
+              <a:t>my @scores = ($score{"barney"}, $score{"</a:t>
             </a:r>
             <a:r>
               <a:rPr lang="en-US" sz="2000" dirty="0" err="1" smtClean="0"/>
@@ -17839,15 +17248,7 @@
             <a:pPr lvl="1"/>
             <a:r>
               <a:rPr lang="en-US" sz="2000" dirty="0" smtClean="0"/>
-              <a:t>my </a:t>
-            </a:r>
-            <a:r>
-              <a:rPr lang="en-US" sz="2000" dirty="0" smtClean="0"/>
-              <a:t>@scores </a:t>
-            </a:r>
-            <a:r>
-              <a:rPr lang="en-US" sz="2000" dirty="0" smtClean="0"/>
-              <a:t>= @score{ </a:t>
+              <a:t>my @scores = @score{ </a:t>
             </a:r>
             <a:r>
               <a:rPr lang="en-US" sz="2000" dirty="0" err="1" smtClean="0"/>
@@ -17871,11 +17272,7 @@
             </a:r>
             <a:r>
               <a:rPr lang="en-US" sz="2000" dirty="0" smtClean="0"/>
-              <a:t>/ </a:t>
-            </a:r>
-            <a:r>
-              <a:rPr lang="en-US" sz="2000" dirty="0" smtClean="0"/>
-              <a:t>};</a:t>
+              <a:t>/ };</a:t>
             </a:r>
           </a:p>
           <a:p>
@@ -17906,11 +17303,7 @@
             </a:r>
             <a:r>
               <a:rPr lang="en-US" sz="2000" dirty="0" smtClean="0"/>
-              <a:t> </a:t>
-            </a:r>
-            <a:r>
-              <a:rPr lang="en-US" sz="2000" dirty="0" smtClean="0"/>
-              <a:t>/;</a:t>
+              <a:t> /;</a:t>
             </a:r>
             <a:br>
               <a:rPr lang="en-US" sz="2000" dirty="0" smtClean="0"/>
@@ -17925,11 +17318,7 @@
             </a:r>
             <a:r>
               <a:rPr lang="en-US" sz="2000" dirty="0" smtClean="0"/>
-              <a:t> = (195, 205, 30</a:t>
-            </a:r>
-            <a:r>
-              <a:rPr lang="en-US" sz="2000" dirty="0" smtClean="0"/>
-              <a:t>);</a:t>
+              <a:t> = (195, 205, 30);</a:t>
             </a:r>
             <a:br>
               <a:rPr lang="en-US" sz="2000" dirty="0" smtClean="0"/>
@@ -17951,15 +17340,7 @@
             </a:br>
             <a:r>
               <a:rPr lang="en-US" sz="2000" dirty="0" smtClean="0"/>
-              <a:t>That last line does the same thing as if we had assigned to the three-element </a:t>
-            </a:r>
-            <a:r>
-              <a:rPr lang="en-US" sz="2000" dirty="0" smtClean="0"/>
-              <a:t>list </a:t>
-            </a:r>
-            <a:r>
-              <a:rPr lang="en-US" sz="2000" dirty="0" smtClean="0"/>
-              <a:t>($score{"barney"}, $score{"</a:t>
+              <a:t>That last line does the same thing as if we had assigned to the three-element list ($score{"barney"}, $score{"</a:t>
             </a:r>
             <a:r>
               <a:rPr lang="en-US" sz="2000" dirty="0" err="1" smtClean="0"/>
@@ -17984,7 +17365,6 @@
               <a:rPr lang="en-US" sz="2000" dirty="0" smtClean="0"/>
               <a:t>print "Their scores were: @score{@players}\n";</a:t>
             </a:r>
-            <a:endParaRPr lang="en-US" sz="2000" dirty="0" smtClean="0"/>
           </a:p>
         </p:txBody>
       </p:sp>
@@ -17996,7 +17376,7 @@
   <p:timing>
     <p:tnLst>
       <p:par>
-        <p:cTn id="1" dur="indefinite" restart="never" nodeType="tmRoot"/>
+        <p:cTn xmlns:p14="http://schemas.microsoft.com/office/powerpoint/2010/main" id="1" dur="indefinite" restart="never" nodeType="tmRoot"/>
       </p:par>
     </p:tnLst>
   </p:timing>
@@ -18089,7 +17469,7 @@
   <p:timing>
     <p:tnLst>
       <p:par>
-        <p:cTn id="1" dur="indefinite" restart="never" nodeType="tmRoot"/>
+        <p:cTn xmlns:p14="http://schemas.microsoft.com/office/powerpoint/2010/main" id="1" dur="indefinite" restart="never" nodeType="tmRoot"/>
       </p:par>
     </p:tnLst>
   </p:timing>
@@ -18223,7 +17603,7 @@
   <p:timing>
     <p:tnLst>
       <p:par>
-        <p:cTn id="1" dur="indefinite" restart="never" nodeType="tmRoot"/>
+        <p:cTn xmlns:p14="http://schemas.microsoft.com/office/powerpoint/2010/main" id="1" dur="indefinite" restart="never" nodeType="tmRoot"/>
       </p:par>
     </p:tnLst>
   </p:timing>
@@ -18400,7 +17780,7 @@
   <p:timing>
     <p:tnLst>
       <p:par>
-        <p:cTn id="1" dur="indefinite" restart="never" nodeType="tmRoot"/>
+        <p:cTn xmlns:p14="http://schemas.microsoft.com/office/powerpoint/2010/main" id="1" dur="indefinite" restart="never" nodeType="tmRoot"/>
       </p:par>
     </p:tnLst>
   </p:timing>
